--- a/Lectures/week 1/week 1 - Course Information 2020.pptx
+++ b/Lectures/week 1/week 1 - Course Information 2020.pptx
@@ -5,39 +5,40 @@
     <p:sldMasterId id="2147483649" r:id="rId1"/>
   </p:sldMasterIdLst>
   <p:notesMasterIdLst>
-    <p:notesMasterId r:id="rId24"/>
+    <p:notesMasterId r:id="rId25"/>
   </p:notesMasterIdLst>
   <p:handoutMasterIdLst>
-    <p:handoutMasterId r:id="rId25"/>
+    <p:handoutMasterId r:id="rId26"/>
   </p:handoutMasterIdLst>
   <p:sldIdLst>
     <p:sldId id="256" r:id="rId2"/>
-    <p:sldId id="257" r:id="rId3"/>
-    <p:sldId id="271" r:id="rId4"/>
-    <p:sldId id="258" r:id="rId5"/>
-    <p:sldId id="276" r:id="rId6"/>
-    <p:sldId id="277" r:id="rId7"/>
-    <p:sldId id="259" r:id="rId8"/>
-    <p:sldId id="283" r:id="rId9"/>
-    <p:sldId id="261" r:id="rId10"/>
-    <p:sldId id="282" r:id="rId11"/>
-    <p:sldId id="280" r:id="rId12"/>
-    <p:sldId id="262" r:id="rId13"/>
-    <p:sldId id="281" r:id="rId14"/>
-    <p:sldId id="284" r:id="rId15"/>
-    <p:sldId id="285" r:id="rId16"/>
-    <p:sldId id="286" r:id="rId17"/>
-    <p:sldId id="273" r:id="rId18"/>
-    <p:sldId id="269" r:id="rId19"/>
-    <p:sldId id="264" r:id="rId20"/>
-    <p:sldId id="265" r:id="rId21"/>
-    <p:sldId id="272" r:id="rId22"/>
-    <p:sldId id="279" r:id="rId23"/>
+    <p:sldId id="287" r:id="rId3"/>
+    <p:sldId id="257" r:id="rId4"/>
+    <p:sldId id="271" r:id="rId5"/>
+    <p:sldId id="258" r:id="rId6"/>
+    <p:sldId id="276" r:id="rId7"/>
+    <p:sldId id="277" r:id="rId8"/>
+    <p:sldId id="259" r:id="rId9"/>
+    <p:sldId id="283" r:id="rId10"/>
+    <p:sldId id="261" r:id="rId11"/>
+    <p:sldId id="282" r:id="rId12"/>
+    <p:sldId id="280" r:id="rId13"/>
+    <p:sldId id="262" r:id="rId14"/>
+    <p:sldId id="281" r:id="rId15"/>
+    <p:sldId id="284" r:id="rId16"/>
+    <p:sldId id="285" r:id="rId17"/>
+    <p:sldId id="286" r:id="rId18"/>
+    <p:sldId id="273" r:id="rId19"/>
+    <p:sldId id="269" r:id="rId20"/>
+    <p:sldId id="264" r:id="rId21"/>
+    <p:sldId id="265" r:id="rId22"/>
+    <p:sldId id="272" r:id="rId23"/>
+    <p:sldId id="279" r:id="rId24"/>
   </p:sldIdLst>
   <p:sldSz cx="9144000" cy="6858000" type="screen4x3"/>
   <p:notesSz cx="7099300" cy="10234613"/>
   <p:custDataLst>
-    <p:tags r:id="rId26"/>
+    <p:tags r:id="rId27"/>
   </p:custDataLst>
   <p:defaultTextStyle>
     <a:defPPr>
@@ -1003,7 +1004,7 @@
             <a:fld id="{9F95E931-AD34-4F83-811E-A003C2CD08A6}" type="slidenum">
               <a:rPr lang="en-US"/>
               <a:pPr/>
-              <a:t>2</a:t>
+              <a:t>3</a:t>
             </a:fld>
             <a:endParaRPr lang="en-US"/>
           </a:p>
@@ -1095,7 +1096,7 @@
             <a:fld id="{1CD33719-6A68-428D-95F2-0D45C5C0EFE3}" type="slidenum">
               <a:rPr lang="en-US"/>
               <a:pPr/>
-              <a:t>4</a:t>
+              <a:t>5</a:t>
             </a:fld>
             <a:endParaRPr lang="en-US"/>
           </a:p>
@@ -1187,7 +1188,7 @@
             <a:fld id="{5A5E8039-E13B-4423-B29A-A285F0C29163}" type="slidenum">
               <a:rPr lang="en-US"/>
               <a:pPr/>
-              <a:t>7</a:t>
+              <a:t>8</a:t>
             </a:fld>
             <a:endParaRPr lang="en-US"/>
           </a:p>
@@ -1279,7 +1280,7 @@
             <a:fld id="{54B75874-9FD0-4927-A57E-339F5950060B}" type="slidenum">
               <a:rPr lang="en-US"/>
               <a:pPr/>
-              <a:t>9</a:t>
+              <a:t>10</a:t>
             </a:fld>
             <a:endParaRPr lang="en-US"/>
           </a:p>
@@ -1400,7 +1401,7 @@
             <a:fld id="{E6C47E0B-2958-48CC-BA4E-C350203CF107}" type="slidenum">
               <a:rPr lang="en-US"/>
               <a:pPr/>
-              <a:t>17</a:t>
+              <a:t>18</a:t>
             </a:fld>
             <a:endParaRPr lang="en-US"/>
           </a:p>
@@ -1456,7 +1457,7 @@
             <a:fld id="{1ED71068-24EB-4D86-BDDE-721064523854}" type="slidenum">
               <a:rPr lang="en-US"/>
               <a:pPr/>
-              <a:t>19</a:t>
+              <a:t>20</a:t>
             </a:fld>
             <a:endParaRPr lang="en-US"/>
           </a:p>
@@ -1548,7 +1549,7 @@
             <a:fld id="{3E5B4483-D0B2-4AA0-91FF-AA1D9CB50E16}" type="slidenum">
               <a:rPr lang="en-US"/>
               <a:pPr/>
-              <a:t>20</a:t>
+              <a:t>21</a:t>
             </a:fld>
             <a:endParaRPr lang="en-US"/>
           </a:p>
@@ -1669,7 +1670,7 @@
             <a:fld id="{E6C47E0B-2958-48CC-BA4E-C350203CF107}" type="slidenum">
               <a:rPr lang="en-US" smtClean="0"/>
               <a:pPr/>
-              <a:t>21</a:t>
+              <a:t>22</a:t>
             </a:fld>
             <a:endParaRPr lang="en-US"/>
           </a:p>
@@ -4920,7 +4921,7 @@
             </a:r>
             <a:r>
               <a:rPr lang="fr-CH" sz="2400" dirty="0"/>
-              <a:t>Zoom</a:t>
+              <a:t>Discord</a:t>
             </a:r>
             <a:br>
               <a:rPr lang="fr-CH" sz="2400" dirty="0"/>
@@ -4999,46 +5000,37 @@
       </p:grpSpPr>
       <p:sp>
         <p:nvSpPr>
-          <p:cNvPr id="2" name="Title 1">
-            <a:extLst>
-              <a:ext uri="{FF2B5EF4-FFF2-40B4-BE49-F238E27FC236}">
-                <a16:creationId xmlns:a16="http://schemas.microsoft.com/office/drawing/2014/main" id="{E86BF88B-7054-9C4A-B392-C5FEE4F4690D}"/>
-              </a:ext>
-            </a:extLst>
-          </p:cNvPr>
+          <p:cNvPr id="15362" name="Footer Placeholder 3"/>
           <p:cNvSpPr>
             <a:spLocks noGrp="1"/>
           </p:cNvSpPr>
           <p:nvPr>
-            <p:ph type="title"/>
-          </p:nvPr>
-        </p:nvSpPr>
-        <p:spPr/>
+            <p:ph type="ftr" sz="quarter" idx="10"/>
+          </p:nvPr>
+        </p:nvSpPr>
+        <p:spPr>
+          <a:noFill/>
+        </p:spPr>
         <p:txBody>
           <a:bodyPr/>
           <a:lstStyle/>
           <a:p>
             <a:r>
-              <a:rPr lang="en-US"/>
-              <a:t>Exercise Platform</a:t>
-            </a:r>
-          </a:p>
-        </p:txBody>
-      </p:sp>
-      <p:sp>
-        <p:nvSpPr>
-          <p:cNvPr id="3" name="Content Placeholder 2">
-            <a:extLst>
-              <a:ext uri="{FF2B5EF4-FFF2-40B4-BE49-F238E27FC236}">
-                <a16:creationId xmlns:a16="http://schemas.microsoft.com/office/drawing/2014/main" id="{927E38E2-5800-4946-BBBB-BEA722EDEDC0}"/>
-              </a:ext>
-            </a:extLst>
-          </p:cNvPr>
-          <p:cNvSpPr>
-            <a:spLocks noGrp="1"/>
-          </p:cNvSpPr>
-          <p:nvPr>
-            <p:ph idx="1"/>
+              <a:rPr lang="fr-CH"/>
+              <a:t>©2020, Karl Aberer, EPFL-IC, Laboratoire de systèmes d'informations répartis </a:t>
+            </a:r>
+            <a:endParaRPr lang="en-GB" dirty="0"/>
+          </a:p>
+        </p:txBody>
+      </p:sp>
+      <p:sp>
+        <p:nvSpPr>
+          <p:cNvPr id="15363" name="Rectangle 2"/>
+          <p:cNvSpPr>
+            <a:spLocks noGrp="1" noChangeArrowheads="1"/>
+          </p:cNvSpPr>
+          <p:nvPr>
+            <p:ph type="title"/>
           </p:nvPr>
         </p:nvSpPr>
         <p:spPr/>
@@ -5046,74 +5038,22 @@
           <a:bodyPr/>
           <a:lstStyle/>
           <a:p>
-            <a:r>
-              <a:rPr lang="en-US"/>
-              <a:t>We will be using Discord for communicating with assistants on exercises</a:t>
-            </a:r>
-          </a:p>
-          <a:p>
-            <a:r>
-              <a:rPr lang="en-US"/>
-              <a:t>	</a:t>
-            </a:r>
-            <a:r>
-              <a:rPr lang="en-GB">
-                <a:hlinkClick r:id="rId2"/>
-              </a:rPr>
-              <a:t>https://discord.com/invite/rQ7cen3</a:t>
-            </a:r>
-            <a:endParaRPr lang="en-GB"/>
-          </a:p>
-          <a:p>
-            <a:endParaRPr lang="en-GB"/>
-          </a:p>
-          <a:p>
-            <a:pPr marL="457200" indent="-457200">
-              <a:buFont typeface="Arial" panose="020B0604020202020204" pitchFamily="34" charset="0"/>
-              <a:buChar char="•"/>
-            </a:pPr>
-            <a:r>
-              <a:rPr lang="en-GB"/>
-              <a:t>Dedicated per-topic channels</a:t>
-            </a:r>
-          </a:p>
-          <a:p>
-            <a:pPr marL="457200" indent="-457200">
-              <a:buFont typeface="Arial" panose="020B0604020202020204" pitchFamily="34" charset="0"/>
-              <a:buChar char="•"/>
-            </a:pPr>
-            <a:r>
-              <a:rPr lang="en-GB"/>
-              <a:t>Check whether question has already been answered</a:t>
-            </a:r>
-          </a:p>
-          <a:p>
-            <a:pPr marL="457200" indent="-457200">
-              <a:buFont typeface="Arial" panose="020B0604020202020204" pitchFamily="34" charset="0"/>
-              <a:buChar char="•"/>
-            </a:pPr>
-            <a:r>
-              <a:rPr lang="en-GB"/>
-              <a:t>Life answers during exercises session</a:t>
-            </a:r>
-            <a:endParaRPr lang="en-US"/>
-          </a:p>
-        </p:txBody>
-      </p:sp>
-      <p:sp>
-        <p:nvSpPr>
-          <p:cNvPr id="4" name="Footer Placeholder 3">
-            <a:extLst>
-              <a:ext uri="{FF2B5EF4-FFF2-40B4-BE49-F238E27FC236}">
-                <a16:creationId xmlns:a16="http://schemas.microsoft.com/office/drawing/2014/main" id="{16A4117F-2B53-4045-A563-19FB3F100D4F}"/>
-              </a:ext>
-            </a:extLst>
-          </p:cNvPr>
-          <p:cNvSpPr>
-            <a:spLocks noGrp="1"/>
-          </p:cNvSpPr>
-          <p:nvPr>
-            <p:ph type="ftr" sz="quarter" idx="10"/>
+            <a:pPr eaLnBrk="1" hangingPunct="1"/>
+            <a:r>
+              <a:rPr lang="en-US" dirty="0"/>
+              <a:t>Exercises</a:t>
+            </a:r>
+          </a:p>
+        </p:txBody>
+      </p:sp>
+      <p:sp>
+        <p:nvSpPr>
+          <p:cNvPr id="15364" name="Rectangle 3"/>
+          <p:cNvSpPr>
+            <a:spLocks noGrp="1" noChangeArrowheads="1"/>
+          </p:cNvSpPr>
+          <p:nvPr>
+            <p:ph type="body" idx="1"/>
           </p:nvPr>
         </p:nvSpPr>
         <p:spPr/>
@@ -5122,17 +5062,63 @@
           <a:lstStyle/>
           <a:p>
             <a:r>
-              <a:rPr lang="fr-CH"/>
-              <a:t>©2020, Karl Aberer, EPFL-IC, Laboratoire de systèmes d'informations répartis </a:t>
-            </a:r>
-            <a:endParaRPr lang="en-GB" dirty="0"/>
+              <a:rPr lang="en-US" dirty="0"/>
+              <a:t>Weekly exercises</a:t>
+            </a:r>
+          </a:p>
+          <a:p>
+            <a:pPr lvl="1"/>
+            <a:r>
+              <a:rPr lang="en-US" dirty="0"/>
+              <a:t>2-3 problems to solve</a:t>
+            </a:r>
+            <a:endParaRPr lang="en-US" sz="3200" dirty="0"/>
+          </a:p>
+          <a:p>
+            <a:r>
+              <a:rPr lang="en-US" dirty="0"/>
+              <a:t>Most problems will be (simple) programming exercises</a:t>
+            </a:r>
+          </a:p>
+          <a:p>
+            <a:pPr lvl="1"/>
+            <a:r>
+              <a:rPr lang="en-US" dirty="0"/>
+              <a:t>Uses Python</a:t>
+            </a:r>
+          </a:p>
+          <a:p>
+            <a:pPr lvl="1"/>
+            <a:r>
+              <a:rPr lang="en-US" dirty="0"/>
+              <a:t>Focus on understanding the techniques (not programming skills </a:t>
+            </a:r>
+            <a:r>
+              <a:rPr lang="en-US" dirty="0" err="1"/>
+              <a:t>etc</a:t>
+            </a:r>
+            <a:r>
+              <a:rPr lang="en-US" dirty="0"/>
+              <a:t>)</a:t>
+            </a:r>
+            <a:endParaRPr lang="en-US" sz="3200" dirty="0"/>
+          </a:p>
+          <a:p>
+            <a:r>
+              <a:rPr lang="en-US" dirty="0"/>
+              <a:t>Exercises and exam questions from previous years will be made available as well</a:t>
+            </a:r>
+          </a:p>
+          <a:p>
+            <a:pPr lvl="1" eaLnBrk="1" hangingPunct="1"/>
+            <a:endParaRPr lang="en-US" sz="2400" dirty="0"/>
           </a:p>
         </p:txBody>
       </p:sp>
     </p:spTree>
     <p:extLst>
       <p:ext uri="{BB962C8B-B14F-4D97-AF65-F5344CB8AC3E}">
-        <p14:creationId xmlns:p14="http://schemas.microsoft.com/office/powerpoint/2010/main" val="297018010"/>
+        <p14:creationId xmlns:p14="http://schemas.microsoft.com/office/powerpoint/2010/main" val="4265395247"/>
       </p:ext>
     </p:extLst>
   </p:cSld>
@@ -5164,7 +5150,7 @@
           <p:cNvPr id="2" name="Title 1">
             <a:extLst>
               <a:ext uri="{FF2B5EF4-FFF2-40B4-BE49-F238E27FC236}">
-                <a16:creationId xmlns:a16="http://schemas.microsoft.com/office/drawing/2014/main" id="{18F908AF-ED57-6140-9D9D-3E8173513CD8}"/>
+                <a16:creationId xmlns:a16="http://schemas.microsoft.com/office/drawing/2014/main" id="{E86BF88B-7054-9C4A-B392-C5FEE4F4690D}"/>
               </a:ext>
             </a:extLst>
           </p:cNvPr>
@@ -5181,10 +5167,9 @@
           <a:lstStyle/>
           <a:p>
             <a:r>
-              <a:rPr lang="en-US" dirty="0"/>
-              <a:t>“Continuous control”</a:t>
-            </a:r>
-            <a:endParaRPr lang="en-US"/>
+              <a:rPr lang="en-US"/>
+              <a:t>Exercise Platform</a:t>
+            </a:r>
           </a:p>
         </p:txBody>
       </p:sp>
@@ -5193,7 +5178,7 @@
           <p:cNvPr id="3" name="Content Placeholder 2">
             <a:extLst>
               <a:ext uri="{FF2B5EF4-FFF2-40B4-BE49-F238E27FC236}">
-                <a16:creationId xmlns:a16="http://schemas.microsoft.com/office/drawing/2014/main" id="{7901C994-CBD1-D143-A987-A7E786B2133C}"/>
+                <a16:creationId xmlns:a16="http://schemas.microsoft.com/office/drawing/2014/main" id="{927E38E2-5800-4946-BBBB-BEA722EDEDC0}"/>
               </a:ext>
             </a:extLst>
           </p:cNvPr>
@@ -5209,45 +5194,57 @@
           <a:bodyPr/>
           <a:lstStyle/>
           <a:p>
-            <a:pPr eaLnBrk="1" hangingPunct="1"/>
-            <a:r>
-              <a:rPr lang="en-US" dirty="0"/>
-              <a:t>Due to the current situation no graded continuous control</a:t>
-            </a:r>
-          </a:p>
-          <a:p>
-            <a:pPr eaLnBrk="1" hangingPunct="1"/>
-            <a:r>
-              <a:rPr lang="en-US" dirty="0"/>
-              <a:t>But</a:t>
-            </a:r>
-          </a:p>
-          <a:p>
-            <a:pPr marL="342900" indent="-342900" eaLnBrk="1" hangingPunct="1">
-              <a:buFontTx/>
-              <a:buChar char="-"/>
+            <a:r>
+              <a:rPr lang="en-US"/>
+              <a:t>We will be using Discord for communicating with assistants on exercises</a:t>
+            </a:r>
+          </a:p>
+          <a:p>
+            <a:r>
+              <a:rPr lang="en-US"/>
+              <a:t>	</a:t>
+            </a:r>
+            <a:r>
+              <a:rPr lang="en-GB">
+                <a:hlinkClick r:id="rId2"/>
+              </a:rPr>
+              <a:t>https://discord.com/invite/rQ7cen3</a:t>
+            </a:r>
+            <a:endParaRPr lang="en-GB"/>
+          </a:p>
+          <a:p>
+            <a:endParaRPr lang="en-GB"/>
+          </a:p>
+          <a:p>
+            <a:pPr marL="457200" indent="-457200">
+              <a:buFont typeface="Arial" panose="020B0604020202020204" pitchFamily="34" charset="0"/>
+              <a:buChar char="•"/>
             </a:pPr>
             <a:r>
-              <a:rPr lang="en-US" dirty="0"/>
-              <a:t>Midterm programming exercise</a:t>
-            </a:r>
-          </a:p>
-          <a:p>
-            <a:pPr marL="342900" indent="-342900" eaLnBrk="1" hangingPunct="1">
-              <a:buFontTx/>
-              <a:buChar char="-"/>
+              <a:rPr lang="en-GB"/>
+              <a:t>Dedicated per-topic channels</a:t>
+            </a:r>
+          </a:p>
+          <a:p>
+            <a:pPr marL="457200" indent="-457200">
+              <a:buFont typeface="Arial" panose="020B0604020202020204" pitchFamily="34" charset="0"/>
+              <a:buChar char="•"/>
             </a:pPr>
             <a:r>
-              <a:rPr lang="en-US" dirty="0"/>
-              <a:t>2 Quizzes</a:t>
-            </a:r>
-          </a:p>
-          <a:p>
-            <a:pPr eaLnBrk="1" hangingPunct="1"/>
-            <a:r>
-              <a:rPr lang="en-US" dirty="0"/>
-              <a:t>Will allow to test your skills</a:t>
-            </a:r>
+              <a:rPr lang="en-GB"/>
+              <a:t>Check whether question has already been answered</a:t>
+            </a:r>
+          </a:p>
+          <a:p>
+            <a:pPr marL="457200" indent="-457200">
+              <a:buFont typeface="Arial" panose="020B0604020202020204" pitchFamily="34" charset="0"/>
+              <a:buChar char="•"/>
+            </a:pPr>
+            <a:r>
+              <a:rPr lang="en-GB"/>
+              <a:t>Life answers during exercises session</a:t>
+            </a:r>
+            <a:endParaRPr lang="en-US"/>
           </a:p>
         </p:txBody>
       </p:sp>
@@ -5256,7 +5253,7 @@
           <p:cNvPr id="4" name="Footer Placeholder 3">
             <a:extLst>
               <a:ext uri="{FF2B5EF4-FFF2-40B4-BE49-F238E27FC236}">
-                <a16:creationId xmlns:a16="http://schemas.microsoft.com/office/drawing/2014/main" id="{2BCC2FA4-C78B-CA4E-80C8-5BD3BF6F6410}"/>
+                <a16:creationId xmlns:a16="http://schemas.microsoft.com/office/drawing/2014/main" id="{16A4117F-2B53-4045-A563-19FB3F100D4F}"/>
               </a:ext>
             </a:extLst>
           </p:cNvPr>
@@ -5283,7 +5280,7 @@
     </p:spTree>
     <p:extLst>
       <p:ext uri="{BB962C8B-B14F-4D97-AF65-F5344CB8AC3E}">
-        <p14:creationId xmlns:p14="http://schemas.microsoft.com/office/powerpoint/2010/main" val="3358699272"/>
+        <p14:creationId xmlns:p14="http://schemas.microsoft.com/office/powerpoint/2010/main" val="297018010"/>
       </p:ext>
     </p:extLst>
   </p:cSld>
@@ -5312,7 +5309,13 @@
       </p:grpSpPr>
       <p:sp>
         <p:nvSpPr>
-          <p:cNvPr id="16386" name="Title 1"/>
+          <p:cNvPr id="2" name="Title 1">
+            <a:extLst>
+              <a:ext uri="{FF2B5EF4-FFF2-40B4-BE49-F238E27FC236}">
+                <a16:creationId xmlns:a16="http://schemas.microsoft.com/office/drawing/2014/main" id="{18F908AF-ED57-6140-9D9D-3E8173513CD8}"/>
+              </a:ext>
+            </a:extLst>
+          </p:cNvPr>
           <p:cNvSpPr>
             <a:spLocks noGrp="1"/>
           </p:cNvSpPr>
@@ -5325,17 +5328,23 @@
           <a:bodyPr/>
           <a:lstStyle/>
           <a:p>
-            <a:pPr eaLnBrk="1" hangingPunct="1"/>
-            <a:r>
-              <a:rPr lang="fr-CH"/>
-              <a:t>Grading</a:t>
-            </a:r>
-          </a:p>
-        </p:txBody>
-      </p:sp>
-      <p:sp>
-        <p:nvSpPr>
-          <p:cNvPr id="16387" name="Content Placeholder 2"/>
+            <a:r>
+              <a:rPr lang="en-US" dirty="0"/>
+              <a:t>“Continuous control”</a:t>
+            </a:r>
+            <a:endParaRPr lang="en-US"/>
+          </a:p>
+        </p:txBody>
+      </p:sp>
+      <p:sp>
+        <p:nvSpPr>
+          <p:cNvPr id="3" name="Content Placeholder 2">
+            <a:extLst>
+              <a:ext uri="{FF2B5EF4-FFF2-40B4-BE49-F238E27FC236}">
+                <a16:creationId xmlns:a16="http://schemas.microsoft.com/office/drawing/2014/main" id="{7901C994-CBD1-D143-A987-A7E786B2133C}"/>
+              </a:ext>
+            </a:extLst>
+          </p:cNvPr>
           <p:cNvSpPr>
             <a:spLocks noGrp="1"/>
           </p:cNvSpPr>
@@ -5343,12 +5352,7 @@
             <p:ph idx="1"/>
           </p:nvPr>
         </p:nvSpPr>
-        <p:spPr>
-          <a:xfrm>
-            <a:off x="179388" y="1341438"/>
-            <a:ext cx="8713092" cy="5029200"/>
-          </a:xfrm>
-        </p:spPr>
+        <p:spPr/>
         <p:txBody>
           <a:bodyPr/>
           <a:lstStyle/>
@@ -5356,51 +5360,54 @@
             <a:pPr eaLnBrk="1" hangingPunct="1"/>
             <a:r>
               <a:rPr lang="en-US" dirty="0"/>
-              <a:t>Final Exam: 100%</a:t>
-            </a:r>
-          </a:p>
-          <a:p>
-            <a:pPr lvl="1" eaLnBrk="1" hangingPunct="1"/>
+              <a:t>Due to the current situation no graded continuous control</a:t>
+            </a:r>
+          </a:p>
+          <a:p>
+            <a:pPr eaLnBrk="1" hangingPunct="1"/>
             <a:r>
               <a:rPr lang="en-US" dirty="0"/>
-              <a:t>Questions similar to the question in exercises and quizzes</a:t>
-            </a:r>
-          </a:p>
-          <a:p>
-            <a:pPr lvl="1" eaLnBrk="1" hangingPunct="1"/>
+              <a:t>But</a:t>
+            </a:r>
+          </a:p>
+          <a:p>
+            <a:pPr marL="342900" indent="-342900" eaLnBrk="1" hangingPunct="1">
+              <a:buFontTx/>
+              <a:buChar char="-"/>
+            </a:pPr>
             <a:r>
               <a:rPr lang="en-US" dirty="0"/>
-              <a:t>will assume you attended the lecture</a:t>
-            </a:r>
-          </a:p>
-          <a:p>
-            <a:pPr lvl="1" eaLnBrk="1" hangingPunct="1"/>
+              <a:t>Midterm programming exercise</a:t>
+            </a:r>
+          </a:p>
+          <a:p>
+            <a:pPr marL="342900" indent="-342900" eaLnBrk="1" hangingPunct="1">
+              <a:buFontTx/>
+              <a:buChar char="-"/>
+            </a:pPr>
             <a:r>
               <a:rPr lang="en-US" dirty="0"/>
-              <a:t>will assume you did the exercises</a:t>
-            </a:r>
-          </a:p>
-          <a:p>
-            <a:pPr lvl="1" eaLnBrk="1" hangingPunct="1"/>
+              <a:t>2 Quizzes</a:t>
+            </a:r>
+          </a:p>
+          <a:p>
+            <a:pPr eaLnBrk="1" hangingPunct="1"/>
             <a:r>
               <a:rPr lang="en-US" dirty="0"/>
-              <a:t>examples from earlier years (exercises, exams) provided for preparation</a:t>
-            </a:r>
-            <a:endParaRPr lang="en-US" sz="3200" b="1" dirty="0"/>
-          </a:p>
-          <a:p>
-            <a:pPr lvl="1" eaLnBrk="1" hangingPunct="1"/>
-            <a:endParaRPr lang="en-US" sz="2400" dirty="0"/>
-          </a:p>
-          <a:p>
-            <a:pPr lvl="1" eaLnBrk="1" hangingPunct="1"/>
-            <a:endParaRPr lang="fr-CH" sz="2400" dirty="0"/>
-          </a:p>
-        </p:txBody>
-      </p:sp>
-      <p:sp>
-        <p:nvSpPr>
-          <p:cNvPr id="16388" name="Footer Placeholder 3"/>
+              <a:t>Will allow to test your skills</a:t>
+            </a:r>
+          </a:p>
+        </p:txBody>
+      </p:sp>
+      <p:sp>
+        <p:nvSpPr>
+          <p:cNvPr id="4" name="Footer Placeholder 3">
+            <a:extLst>
+              <a:ext uri="{FF2B5EF4-FFF2-40B4-BE49-F238E27FC236}">
+                <a16:creationId xmlns:a16="http://schemas.microsoft.com/office/drawing/2014/main" id="{2BCC2FA4-C78B-CA4E-80C8-5BD3BF6F6410}"/>
+              </a:ext>
+            </a:extLst>
+          </p:cNvPr>
           <p:cNvSpPr>
             <a:spLocks noGrp="1"/>
           </p:cNvSpPr>
@@ -5408,9 +5415,7 @@
             <p:ph type="ftr" sz="quarter" idx="10"/>
           </p:nvPr>
         </p:nvSpPr>
-        <p:spPr>
-          <a:noFill/>
-        </p:spPr>
+        <p:spPr/>
         <p:txBody>
           <a:bodyPr/>
           <a:lstStyle/>
@@ -5426,7 +5431,7 @@
     </p:spTree>
     <p:extLst>
       <p:ext uri="{BB962C8B-B14F-4D97-AF65-F5344CB8AC3E}">
-        <p14:creationId xmlns:p14="http://schemas.microsoft.com/office/powerpoint/2010/main" val="1703329391"/>
+        <p14:creationId xmlns:p14="http://schemas.microsoft.com/office/powerpoint/2010/main" val="3358699272"/>
       </p:ext>
     </p:extLst>
   </p:cSld>
@@ -5455,13 +5460,7 @@
       </p:grpSpPr>
       <p:sp>
         <p:nvSpPr>
-          <p:cNvPr id="2" name="Title 1">
-            <a:extLst>
-              <a:ext uri="{FF2B5EF4-FFF2-40B4-BE49-F238E27FC236}">
-                <a16:creationId xmlns:a16="http://schemas.microsoft.com/office/drawing/2014/main" id="{D233E921-648B-6D40-BD1A-9E6FE7AF7B3D}"/>
-              </a:ext>
-            </a:extLst>
-          </p:cNvPr>
+          <p:cNvPr id="16386" name="Title 1"/>
           <p:cNvSpPr>
             <a:spLocks noGrp="1"/>
           </p:cNvSpPr>
@@ -5474,23 +5473,17 @@
           <a:bodyPr/>
           <a:lstStyle/>
           <a:p>
-            <a:r>
-              <a:rPr lang="en-US" dirty="0"/>
-              <a:t>Exam Support</a:t>
-            </a:r>
-            <a:endParaRPr lang="en-US"/>
-          </a:p>
-        </p:txBody>
-      </p:sp>
-      <p:sp>
-        <p:nvSpPr>
-          <p:cNvPr id="3" name="Content Placeholder 2">
-            <a:extLst>
-              <a:ext uri="{FF2B5EF4-FFF2-40B4-BE49-F238E27FC236}">
-                <a16:creationId xmlns:a16="http://schemas.microsoft.com/office/drawing/2014/main" id="{DD79CAB2-87F8-B44B-86B3-509D0A858A73}"/>
-              </a:ext>
-            </a:extLst>
-          </p:cNvPr>
+            <a:pPr eaLnBrk="1" hangingPunct="1"/>
+            <a:r>
+              <a:rPr lang="fr-CH"/>
+              <a:t>Grading</a:t>
+            </a:r>
+          </a:p>
+        </p:txBody>
+      </p:sp>
+      <p:sp>
+        <p:nvSpPr>
+          <p:cNvPr id="16387" name="Content Placeholder 2"/>
           <p:cNvSpPr>
             <a:spLocks noGrp="1"/>
           </p:cNvSpPr>
@@ -5498,68 +5491,64 @@
             <p:ph idx="1"/>
           </p:nvPr>
         </p:nvSpPr>
-        <p:spPr/>
+        <p:spPr>
+          <a:xfrm>
+            <a:off x="179388" y="1341438"/>
+            <a:ext cx="8713092" cy="5029200"/>
+          </a:xfrm>
+        </p:spPr>
         <p:txBody>
           <a:bodyPr/>
           <a:lstStyle/>
           <a:p>
-            <a:r>
-              <a:rPr lang="en-US" b="1" dirty="0"/>
-              <a:t>Your computer will be admitted to the exam</a:t>
-            </a:r>
-          </a:p>
-          <a:p>
-            <a:pPr marL="457200" indent="-457200">
-              <a:buFont typeface="Arial" panose="020B0604020202020204" pitchFamily="34" charset="0"/>
-              <a:buChar char="•"/>
-            </a:pPr>
-            <a:r>
-              <a:rPr lang="en-US" sz="2800" dirty="0"/>
-              <a:t>You will have Internet access</a:t>
-            </a:r>
-          </a:p>
-          <a:p>
-            <a:pPr marL="457200" indent="-457200">
-              <a:buFont typeface="Arial" panose="020B0604020202020204" pitchFamily="34" charset="0"/>
-              <a:buChar char="•"/>
-            </a:pPr>
-            <a:r>
-              <a:rPr lang="en-US" sz="2800" dirty="0"/>
-              <a:t>But: </a:t>
-            </a:r>
-            <a:r>
-              <a:rPr lang="en-US" sz="2800" u="sng" dirty="0"/>
-              <a:t>communication not allowed </a:t>
-            </a:r>
-            <a:r>
-              <a:rPr lang="en-US" sz="2800" dirty="0"/>
-              <a:t>(messaging, social platform etc.)</a:t>
-            </a:r>
-          </a:p>
-          <a:p>
-            <a:pPr marL="457200" indent="-457200">
-              <a:buFont typeface="Arial" panose="020B0604020202020204" pitchFamily="34" charset="0"/>
-              <a:buChar char="•"/>
-            </a:pPr>
-            <a:r>
-              <a:rPr lang="en-US" sz="2800" dirty="0"/>
-              <a:t>You can use your notes (paper of electronically, all lecture materials)</a:t>
-            </a:r>
-          </a:p>
-          <a:p>
-            <a:endParaRPr lang="en-US"/>
-          </a:p>
-        </p:txBody>
-      </p:sp>
-      <p:sp>
-        <p:nvSpPr>
-          <p:cNvPr id="4" name="Footer Placeholder 3">
-            <a:extLst>
-              <a:ext uri="{FF2B5EF4-FFF2-40B4-BE49-F238E27FC236}">
-                <a16:creationId xmlns:a16="http://schemas.microsoft.com/office/drawing/2014/main" id="{25A387F4-C4F2-714B-8241-C7933B5DE322}"/>
-              </a:ext>
-            </a:extLst>
-          </p:cNvPr>
+            <a:pPr eaLnBrk="1" hangingPunct="1"/>
+            <a:r>
+              <a:rPr lang="en-US" dirty="0"/>
+              <a:t>Final Exam: 100%</a:t>
+            </a:r>
+          </a:p>
+          <a:p>
+            <a:pPr lvl="1" eaLnBrk="1" hangingPunct="1"/>
+            <a:r>
+              <a:rPr lang="en-US" dirty="0"/>
+              <a:t>Questions similar to the question in exercises and quizzes</a:t>
+            </a:r>
+          </a:p>
+          <a:p>
+            <a:pPr lvl="1" eaLnBrk="1" hangingPunct="1"/>
+            <a:r>
+              <a:rPr lang="en-US" dirty="0"/>
+              <a:t>will assume you attended the lecture</a:t>
+            </a:r>
+          </a:p>
+          <a:p>
+            <a:pPr lvl="1" eaLnBrk="1" hangingPunct="1"/>
+            <a:r>
+              <a:rPr lang="en-US" dirty="0"/>
+              <a:t>will assume you did the exercises</a:t>
+            </a:r>
+          </a:p>
+          <a:p>
+            <a:pPr lvl="1" eaLnBrk="1" hangingPunct="1"/>
+            <a:r>
+              <a:rPr lang="en-US" dirty="0"/>
+              <a:t>examples from earlier years (exercises, exams) provided for preparation</a:t>
+            </a:r>
+            <a:endParaRPr lang="en-US" sz="3200" b="1" dirty="0"/>
+          </a:p>
+          <a:p>
+            <a:pPr lvl="1" eaLnBrk="1" hangingPunct="1"/>
+            <a:endParaRPr lang="en-US" sz="2400" dirty="0"/>
+          </a:p>
+          <a:p>
+            <a:pPr lvl="1" eaLnBrk="1" hangingPunct="1"/>
+            <a:endParaRPr lang="fr-CH" sz="2400" dirty="0"/>
+          </a:p>
+        </p:txBody>
+      </p:sp>
+      <p:sp>
+        <p:nvSpPr>
+          <p:cNvPr id="16388" name="Footer Placeholder 3"/>
           <p:cNvSpPr>
             <a:spLocks noGrp="1"/>
           </p:cNvSpPr>
@@ -5567,7 +5556,9 @@
             <p:ph type="ftr" sz="quarter" idx="10"/>
           </p:nvPr>
         </p:nvSpPr>
-        <p:spPr/>
+        <p:spPr>
+          <a:noFill/>
+        </p:spPr>
         <p:txBody>
           <a:bodyPr/>
           <a:lstStyle/>
@@ -5583,7 +5574,7 @@
     </p:spTree>
     <p:extLst>
       <p:ext uri="{BB962C8B-B14F-4D97-AF65-F5344CB8AC3E}">
-        <p14:creationId xmlns:p14="http://schemas.microsoft.com/office/powerpoint/2010/main" val="4285417926"/>
+        <p14:creationId xmlns:p14="http://schemas.microsoft.com/office/powerpoint/2010/main" val="1703329391"/>
       </p:ext>
     </p:extLst>
   </p:cSld>
@@ -5615,7 +5606,7 @@
           <p:cNvPr id="2" name="Title 1">
             <a:extLst>
               <a:ext uri="{FF2B5EF4-FFF2-40B4-BE49-F238E27FC236}">
-                <a16:creationId xmlns:a16="http://schemas.microsoft.com/office/drawing/2014/main" id="{8E9E87D9-0EEE-1540-95B6-14AF3D19619E}"/>
+                <a16:creationId xmlns:a16="http://schemas.microsoft.com/office/drawing/2014/main" id="{D233E921-648B-6D40-BD1A-9E6FE7AF7B3D}"/>
               </a:ext>
             </a:extLst>
           </p:cNvPr>
@@ -5632,9 +5623,10 @@
           <a:lstStyle/>
           <a:p>
             <a:r>
-              <a:rPr lang="en-US"/>
-              <a:t>Are you on Campus today?</a:t>
-            </a:r>
+              <a:rPr lang="en-US" dirty="0"/>
+              <a:t>Exam Support</a:t>
+            </a:r>
+            <a:endParaRPr lang="en-US"/>
           </a:p>
         </p:txBody>
       </p:sp>
@@ -5643,7 +5635,7 @@
           <p:cNvPr id="3" name="Content Placeholder 2">
             <a:extLst>
               <a:ext uri="{FF2B5EF4-FFF2-40B4-BE49-F238E27FC236}">
-                <a16:creationId xmlns:a16="http://schemas.microsoft.com/office/drawing/2014/main" id="{9B554C98-7E57-8947-98A3-1B55C91676F9}"/>
+                <a16:creationId xmlns:a16="http://schemas.microsoft.com/office/drawing/2014/main" id="{DD79CAB2-87F8-B44B-86B3-509D0A858A73}"/>
               </a:ext>
             </a:extLst>
           </p:cNvPr>
@@ -5659,24 +5651,51 @@
           <a:bodyPr/>
           <a:lstStyle/>
           <a:p>
-            <a:pPr marL="514350" indent="-514350">
-              <a:buFont typeface="+mj-lt"/>
-              <a:buAutoNum type="arabicPeriod"/>
+            <a:r>
+              <a:rPr lang="en-US" b="1" dirty="0"/>
+              <a:t>Your computer will be admitted to the exam</a:t>
+            </a:r>
+          </a:p>
+          <a:p>
+            <a:pPr marL="457200" indent="-457200">
+              <a:buFont typeface="Arial" panose="020B0604020202020204" pitchFamily="34" charset="0"/>
+              <a:buChar char="•"/>
             </a:pPr>
             <a:r>
-              <a:rPr lang="en-US"/>
-              <a:t>Yes</a:t>
-            </a:r>
-          </a:p>
-          <a:p>
-            <a:pPr marL="514350" indent="-514350">
-              <a:buFont typeface="+mj-lt"/>
-              <a:buAutoNum type="arabicPeriod"/>
+              <a:rPr lang="en-US" sz="2800" dirty="0"/>
+              <a:t>You will have Internet access</a:t>
+            </a:r>
+          </a:p>
+          <a:p>
+            <a:pPr marL="457200" indent="-457200">
+              <a:buFont typeface="Arial" panose="020B0604020202020204" pitchFamily="34" charset="0"/>
+              <a:buChar char="•"/>
             </a:pPr>
             <a:r>
-              <a:rPr lang="en-US"/>
-              <a:t>No</a:t>
-            </a:r>
+              <a:rPr lang="en-US" sz="2800" dirty="0"/>
+              <a:t>But: </a:t>
+            </a:r>
+            <a:r>
+              <a:rPr lang="en-US" sz="2800" u="sng" dirty="0"/>
+              <a:t>communication not allowed </a:t>
+            </a:r>
+            <a:r>
+              <a:rPr lang="en-US" sz="2800" dirty="0"/>
+              <a:t>(messaging, social platform etc.)</a:t>
+            </a:r>
+          </a:p>
+          <a:p>
+            <a:pPr marL="457200" indent="-457200">
+              <a:buFont typeface="Arial" panose="020B0604020202020204" pitchFamily="34" charset="0"/>
+              <a:buChar char="•"/>
+            </a:pPr>
+            <a:r>
+              <a:rPr lang="en-US" sz="2800" dirty="0"/>
+              <a:t>You can use your notes (paper of electronically, all lecture materials)</a:t>
+            </a:r>
+          </a:p>
+          <a:p>
+            <a:endParaRPr lang="en-US"/>
           </a:p>
         </p:txBody>
       </p:sp>
@@ -5685,7 +5704,7 @@
           <p:cNvPr id="4" name="Footer Placeholder 3">
             <a:extLst>
               <a:ext uri="{FF2B5EF4-FFF2-40B4-BE49-F238E27FC236}">
-                <a16:creationId xmlns:a16="http://schemas.microsoft.com/office/drawing/2014/main" id="{BD3F5D97-D252-3446-B006-CF78153509B5}"/>
+                <a16:creationId xmlns:a16="http://schemas.microsoft.com/office/drawing/2014/main" id="{25A387F4-C4F2-714B-8241-C7933B5DE322}"/>
               </a:ext>
             </a:extLst>
           </p:cNvPr>
@@ -5712,7 +5731,7 @@
     </p:spTree>
     <p:extLst>
       <p:ext uri="{BB962C8B-B14F-4D97-AF65-F5344CB8AC3E}">
-        <p14:creationId xmlns:p14="http://schemas.microsoft.com/office/powerpoint/2010/main" val="2449712270"/>
+        <p14:creationId xmlns:p14="http://schemas.microsoft.com/office/powerpoint/2010/main" val="4285417926"/>
       </p:ext>
     </p:extLst>
   </p:cSld>
@@ -5744,7 +5763,7 @@
           <p:cNvPr id="2" name="Title 1">
             <a:extLst>
               <a:ext uri="{FF2B5EF4-FFF2-40B4-BE49-F238E27FC236}">
-                <a16:creationId xmlns:a16="http://schemas.microsoft.com/office/drawing/2014/main" id="{B72F80CC-1914-B74A-B08F-F3EE2EF4A98D}"/>
+                <a16:creationId xmlns:a16="http://schemas.microsoft.com/office/drawing/2014/main" id="{8E9E87D9-0EEE-1540-95B6-14AF3D19619E}"/>
               </a:ext>
             </a:extLst>
           </p:cNvPr>
@@ -5762,7 +5781,7 @@
           <a:p>
             <a:r>
               <a:rPr lang="en-US"/>
-              <a:t>Are you planning to be on campus when it is your turn?</a:t>
+              <a:t>Are you on Campus today?</a:t>
             </a:r>
           </a:p>
         </p:txBody>
@@ -5772,7 +5791,7 @@
           <p:cNvPr id="3" name="Content Placeholder 2">
             <a:extLst>
               <a:ext uri="{FF2B5EF4-FFF2-40B4-BE49-F238E27FC236}">
-                <a16:creationId xmlns:a16="http://schemas.microsoft.com/office/drawing/2014/main" id="{02CBEDBB-DB9B-724B-A3AD-F555D8CC1B34}"/>
+                <a16:creationId xmlns:a16="http://schemas.microsoft.com/office/drawing/2014/main" id="{9B554C98-7E57-8947-98A3-1B55C91676F9}"/>
               </a:ext>
             </a:extLst>
           </p:cNvPr>
@@ -5789,6 +5808,7 @@
           <a:lstStyle/>
           <a:p>
             <a:pPr marL="514350" indent="-514350">
+              <a:buFont typeface="+mj-lt"/>
               <a:buAutoNum type="arabicPeriod"/>
             </a:pPr>
             <a:r>
@@ -5798,6 +5818,7 @@
           </a:p>
           <a:p>
             <a:pPr marL="514350" indent="-514350">
+              <a:buFont typeface="+mj-lt"/>
               <a:buAutoNum type="arabicPeriod"/>
             </a:pPr>
             <a:r>
@@ -5812,7 +5833,7 @@
           <p:cNvPr id="4" name="Footer Placeholder 3">
             <a:extLst>
               <a:ext uri="{FF2B5EF4-FFF2-40B4-BE49-F238E27FC236}">
-                <a16:creationId xmlns:a16="http://schemas.microsoft.com/office/drawing/2014/main" id="{AF9E53E3-7B91-D749-AD1A-7363D57F0309}"/>
+                <a16:creationId xmlns:a16="http://schemas.microsoft.com/office/drawing/2014/main" id="{BD3F5D97-D252-3446-B006-CF78153509B5}"/>
               </a:ext>
             </a:extLst>
           </p:cNvPr>
@@ -5839,7 +5860,7 @@
     </p:spTree>
     <p:extLst>
       <p:ext uri="{BB962C8B-B14F-4D97-AF65-F5344CB8AC3E}">
-        <p14:creationId xmlns:p14="http://schemas.microsoft.com/office/powerpoint/2010/main" val="3877780305"/>
+        <p14:creationId xmlns:p14="http://schemas.microsoft.com/office/powerpoint/2010/main" val="2449712270"/>
       </p:ext>
     </p:extLst>
   </p:cSld>
@@ -5871,7 +5892,7 @@
           <p:cNvPr id="2" name="Title 1">
             <a:extLst>
               <a:ext uri="{FF2B5EF4-FFF2-40B4-BE49-F238E27FC236}">
-                <a16:creationId xmlns:a16="http://schemas.microsoft.com/office/drawing/2014/main" id="{457D2A5B-A18C-2949-9C41-827D178E5A7D}"/>
+                <a16:creationId xmlns:a16="http://schemas.microsoft.com/office/drawing/2014/main" id="{B72F80CC-1914-B74A-B08F-F3EE2EF4A98D}"/>
               </a:ext>
             </a:extLst>
           </p:cNvPr>
@@ -5882,19 +5903,14 @@
             <p:ph type="title"/>
           </p:nvPr>
         </p:nvSpPr>
-        <p:spPr>
-          <a:xfrm>
-            <a:off x="395536" y="320676"/>
-            <a:ext cx="8305800" cy="914400"/>
-          </a:xfrm>
-        </p:spPr>
+        <p:spPr/>
         <p:txBody>
           <a:bodyPr/>
           <a:lstStyle/>
           <a:p>
             <a:r>
               <a:rPr lang="en-US"/>
-              <a:t>Have you already used Discord?</a:t>
+              <a:t>Are you planning to be on campus when it is your turn?</a:t>
             </a:r>
           </a:p>
         </p:txBody>
@@ -5904,7 +5920,7 @@
           <p:cNvPr id="3" name="Content Placeholder 2">
             <a:extLst>
               <a:ext uri="{FF2B5EF4-FFF2-40B4-BE49-F238E27FC236}">
-                <a16:creationId xmlns:a16="http://schemas.microsoft.com/office/drawing/2014/main" id="{C0F3B848-D189-0649-8B7E-4F90FFEA7D0A}"/>
+                <a16:creationId xmlns:a16="http://schemas.microsoft.com/office/drawing/2014/main" id="{02CBEDBB-DB9B-724B-A3AD-F555D8CC1B34}"/>
               </a:ext>
             </a:extLst>
           </p:cNvPr>
@@ -5944,7 +5960,7 @@
           <p:cNvPr id="4" name="Footer Placeholder 3">
             <a:extLst>
               <a:ext uri="{FF2B5EF4-FFF2-40B4-BE49-F238E27FC236}">
-                <a16:creationId xmlns:a16="http://schemas.microsoft.com/office/drawing/2014/main" id="{ADF1A66B-8851-964F-88E5-F16C05D586BD}"/>
+                <a16:creationId xmlns:a16="http://schemas.microsoft.com/office/drawing/2014/main" id="{AF9E53E3-7B91-D749-AD1A-7363D57F0309}"/>
               </a:ext>
             </a:extLst>
           </p:cNvPr>
@@ -5971,7 +5987,7 @@
     </p:spTree>
     <p:extLst>
       <p:ext uri="{BB962C8B-B14F-4D97-AF65-F5344CB8AC3E}">
-        <p14:creationId xmlns:p14="http://schemas.microsoft.com/office/powerpoint/2010/main" val="3350605186"/>
+        <p14:creationId xmlns:p14="http://schemas.microsoft.com/office/powerpoint/2010/main" val="3877780305"/>
       </p:ext>
     </p:extLst>
   </p:cSld>
@@ -6000,6 +6016,138 @@
       </p:grpSpPr>
       <p:sp>
         <p:nvSpPr>
+          <p:cNvPr id="2" name="Title 1">
+            <a:extLst>
+              <a:ext uri="{FF2B5EF4-FFF2-40B4-BE49-F238E27FC236}">
+                <a16:creationId xmlns:a16="http://schemas.microsoft.com/office/drawing/2014/main" id="{457D2A5B-A18C-2949-9C41-827D178E5A7D}"/>
+              </a:ext>
+            </a:extLst>
+          </p:cNvPr>
+          <p:cNvSpPr>
+            <a:spLocks noGrp="1"/>
+          </p:cNvSpPr>
+          <p:nvPr>
+            <p:ph type="title"/>
+          </p:nvPr>
+        </p:nvSpPr>
+        <p:spPr>
+          <a:xfrm>
+            <a:off x="395536" y="320676"/>
+            <a:ext cx="8305800" cy="914400"/>
+          </a:xfrm>
+        </p:spPr>
+        <p:txBody>
+          <a:bodyPr/>
+          <a:lstStyle/>
+          <a:p>
+            <a:r>
+              <a:rPr lang="en-US"/>
+              <a:t>Have you already used Discord?</a:t>
+            </a:r>
+          </a:p>
+        </p:txBody>
+      </p:sp>
+      <p:sp>
+        <p:nvSpPr>
+          <p:cNvPr id="3" name="Content Placeholder 2">
+            <a:extLst>
+              <a:ext uri="{FF2B5EF4-FFF2-40B4-BE49-F238E27FC236}">
+                <a16:creationId xmlns:a16="http://schemas.microsoft.com/office/drawing/2014/main" id="{C0F3B848-D189-0649-8B7E-4F90FFEA7D0A}"/>
+              </a:ext>
+            </a:extLst>
+          </p:cNvPr>
+          <p:cNvSpPr>
+            <a:spLocks noGrp="1"/>
+          </p:cNvSpPr>
+          <p:nvPr>
+            <p:ph idx="1"/>
+          </p:nvPr>
+        </p:nvSpPr>
+        <p:spPr/>
+        <p:txBody>
+          <a:bodyPr/>
+          <a:lstStyle/>
+          <a:p>
+            <a:pPr marL="514350" indent="-514350">
+              <a:buAutoNum type="arabicPeriod"/>
+            </a:pPr>
+            <a:r>
+              <a:rPr lang="en-US"/>
+              <a:t>Yes</a:t>
+            </a:r>
+          </a:p>
+          <a:p>
+            <a:pPr marL="514350" indent="-514350">
+              <a:buAutoNum type="arabicPeriod"/>
+            </a:pPr>
+            <a:r>
+              <a:rPr lang="en-US"/>
+              <a:t>No</a:t>
+            </a:r>
+          </a:p>
+        </p:txBody>
+      </p:sp>
+      <p:sp>
+        <p:nvSpPr>
+          <p:cNvPr id="4" name="Footer Placeholder 3">
+            <a:extLst>
+              <a:ext uri="{FF2B5EF4-FFF2-40B4-BE49-F238E27FC236}">
+                <a16:creationId xmlns:a16="http://schemas.microsoft.com/office/drawing/2014/main" id="{ADF1A66B-8851-964F-88E5-F16C05D586BD}"/>
+              </a:ext>
+            </a:extLst>
+          </p:cNvPr>
+          <p:cNvSpPr>
+            <a:spLocks noGrp="1"/>
+          </p:cNvSpPr>
+          <p:nvPr>
+            <p:ph type="ftr" sz="quarter" idx="10"/>
+          </p:nvPr>
+        </p:nvSpPr>
+        <p:spPr/>
+        <p:txBody>
+          <a:bodyPr/>
+          <a:lstStyle/>
+          <a:p>
+            <a:r>
+              <a:rPr lang="fr-CH"/>
+              <a:t>©2020, Karl Aberer, EPFL-IC, Laboratoire de systèmes d'informations répartis </a:t>
+            </a:r>
+            <a:endParaRPr lang="en-GB" dirty="0"/>
+          </a:p>
+        </p:txBody>
+      </p:sp>
+    </p:spTree>
+    <p:extLst>
+      <p:ext uri="{BB962C8B-B14F-4D97-AF65-F5344CB8AC3E}">
+        <p14:creationId xmlns:p14="http://schemas.microsoft.com/office/powerpoint/2010/main" val="3350605186"/>
+      </p:ext>
+    </p:extLst>
+  </p:cSld>
+  <p:clrMapOvr>
+    <a:masterClrMapping/>
+  </p:clrMapOvr>
+</p:sld>
+</file>
+
+<file path=ppt/slides/slide18.xml><?xml version="1.0" encoding="utf-8"?>
+<p:sld xmlns:a="http://schemas.openxmlformats.org/drawingml/2006/main" xmlns:r="http://schemas.openxmlformats.org/officeDocument/2006/relationships" xmlns:p="http://schemas.openxmlformats.org/presentationml/2006/main">
+  <p:cSld>
+    <p:spTree>
+      <p:nvGrpSpPr>
+        <p:cNvPr id="1" name=""/>
+        <p:cNvGrpSpPr/>
+        <p:nvPr/>
+      </p:nvGrpSpPr>
+      <p:grpSpPr>
+        <a:xfrm>
+          <a:off x="0" y="0"/>
+          <a:ext cx="0" cy="0"/>
+          <a:chOff x="0" y="0"/>
+          <a:chExt cx="0" cy="0"/>
+        </a:xfrm>
+      </p:grpSpPr>
+      <p:sp>
+        <p:nvSpPr>
           <p:cNvPr id="2" name="Title 1"/>
           <p:cNvSpPr>
             <a:spLocks noGrp="1"/>
@@ -6030,7 +6178,7 @@
             <p:ph idx="1"/>
             <p:extLst>
               <p:ext uri="{D42A27DB-BD31-4B8C-83A1-F6EECF244321}">
-                <p14:modId xmlns:p14="http://schemas.microsoft.com/office/powerpoint/2010/main" val="106698453"/>
+                <p14:modId xmlns:p14="http://schemas.microsoft.com/office/powerpoint/2010/main" val="2125084653"/>
               </p:ext>
             </p:extLst>
           </p:nvPr>
@@ -7009,7 +7157,7 @@
                           <a:effectLst/>
                           <a:latin typeface="Calibri" charset="0"/>
                         </a:rPr>
-                        <a:t>Indexing and Probabilistic Retrieval</a:t>
+                        <a:t>Indexing and Relevance Feedback</a:t>
                       </a:r>
                     </a:p>
                   </a:txBody>
@@ -7395,7 +7543,7 @@
                           <a:effectLst/>
                           <a:latin typeface="Calibri" charset="0"/>
                         </a:rPr>
-                        <a:t>Relevance Feedback and Link-based Retrieval</a:t>
+                        <a:t>Word Embeddings and Link-based Retrieval</a:t>
                       </a:r>
                     </a:p>
                   </a:txBody>
@@ -9138,7 +9286,7 @@
 </p:sld>
 </file>
 
-<file path=ppt/slides/slide18.xml><?xml version="1.0" encoding="utf-8"?>
+<file path=ppt/slides/slide19.xml><?xml version="1.0" encoding="utf-8"?>
 <p:sld xmlns:a="http://schemas.openxmlformats.org/drawingml/2006/main" xmlns:r="http://schemas.openxmlformats.org/officeDocument/2006/relationships" xmlns:p="http://schemas.openxmlformats.org/presentationml/2006/main">
   <p:cSld>
     <p:spTree>
@@ -9238,7 +9386,7 @@
 </p:sld>
 </file>
 
-<file path=ppt/slides/slide19.xml><?xml version="1.0" encoding="utf-8"?>
+<file path=ppt/slides/slide2.xml><?xml version="1.0" encoding="utf-8"?>
 <p:sld xmlns:a="http://schemas.openxmlformats.org/drawingml/2006/main" xmlns:r="http://schemas.openxmlformats.org/officeDocument/2006/relationships" xmlns:p="http://schemas.openxmlformats.org/presentationml/2006/main">
   <p:cSld>
     <p:spTree>
@@ -9257,6 +9405,161 @@
       </p:grpSpPr>
       <p:sp>
         <p:nvSpPr>
+          <p:cNvPr id="2" name="Title 1">
+            <a:extLst>
+              <a:ext uri="{FF2B5EF4-FFF2-40B4-BE49-F238E27FC236}">
+                <a16:creationId xmlns:a16="http://schemas.microsoft.com/office/drawing/2014/main" id="{E2923FF8-8308-BE44-A4A8-933E5175C7F5}"/>
+              </a:ext>
+            </a:extLst>
+          </p:cNvPr>
+          <p:cNvSpPr>
+            <a:spLocks noGrp="1"/>
+          </p:cNvSpPr>
+          <p:nvPr>
+            <p:ph type="title"/>
+          </p:nvPr>
+        </p:nvSpPr>
+        <p:spPr/>
+        <p:txBody>
+          <a:bodyPr/>
+          <a:lstStyle/>
+          <a:p>
+            <a:r>
+              <a:rPr lang="en-US"/>
+              <a:t>Welcome to a Special Semester!</a:t>
+            </a:r>
+          </a:p>
+        </p:txBody>
+      </p:sp>
+      <p:sp>
+        <p:nvSpPr>
+          <p:cNvPr id="3" name="Content Placeholder 2">
+            <a:extLst>
+              <a:ext uri="{FF2B5EF4-FFF2-40B4-BE49-F238E27FC236}">
+                <a16:creationId xmlns:a16="http://schemas.microsoft.com/office/drawing/2014/main" id="{CAEEB856-6EC6-8446-9A3F-FF691FC97EDA}"/>
+              </a:ext>
+            </a:extLst>
+          </p:cNvPr>
+          <p:cNvSpPr>
+            <a:spLocks noGrp="1"/>
+          </p:cNvSpPr>
+          <p:nvPr>
+            <p:ph idx="1"/>
+          </p:nvPr>
+        </p:nvSpPr>
+        <p:spPr>
+          <a:xfrm>
+            <a:off x="179388" y="1341438"/>
+            <a:ext cx="8964612" cy="5029200"/>
+          </a:xfrm>
+        </p:spPr>
+        <p:txBody>
+          <a:bodyPr/>
+          <a:lstStyle/>
+          <a:p>
+            <a:r>
+              <a:rPr lang="en-US"/>
+              <a:t>Everything is different</a:t>
+            </a:r>
+          </a:p>
+          <a:p>
+            <a:r>
+              <a:rPr lang="en-US"/>
+              <a:t>We will be working largely online</a:t>
+            </a:r>
+          </a:p>
+          <a:p>
+            <a:r>
+              <a:rPr lang="en-US"/>
+              <a:t>Everything might evolve and change throughout the semester</a:t>
+            </a:r>
+          </a:p>
+          <a:p>
+            <a:endParaRPr lang="en-US"/>
+          </a:p>
+          <a:p>
+            <a:r>
+              <a:rPr lang="en-US"/>
+              <a:t>Program of today:</a:t>
+            </a:r>
+          </a:p>
+          <a:p>
+            <a:pPr lvl="1"/>
+            <a:r>
+              <a:rPr lang="en-US"/>
+              <a:t>Hour 1: Everything you need to know on the organization</a:t>
+            </a:r>
+          </a:p>
+          <a:p>
+            <a:pPr lvl="1"/>
+            <a:r>
+              <a:rPr lang="en-US"/>
+              <a:t>Hour 2 &amp; 3: An overview of main concepts that will be covered during the semester</a:t>
+            </a:r>
+          </a:p>
+        </p:txBody>
+      </p:sp>
+      <p:sp>
+        <p:nvSpPr>
+          <p:cNvPr id="4" name="Footer Placeholder 3">
+            <a:extLst>
+              <a:ext uri="{FF2B5EF4-FFF2-40B4-BE49-F238E27FC236}">
+                <a16:creationId xmlns:a16="http://schemas.microsoft.com/office/drawing/2014/main" id="{3298EB18-3BDB-754E-999A-C51B93D60374}"/>
+              </a:ext>
+            </a:extLst>
+          </p:cNvPr>
+          <p:cNvSpPr>
+            <a:spLocks noGrp="1"/>
+          </p:cNvSpPr>
+          <p:nvPr>
+            <p:ph type="ftr" sz="quarter" idx="10"/>
+          </p:nvPr>
+        </p:nvSpPr>
+        <p:spPr/>
+        <p:txBody>
+          <a:bodyPr/>
+          <a:lstStyle/>
+          <a:p>
+            <a:r>
+              <a:rPr lang="fr-CH"/>
+              <a:t>©2020, Karl Aberer, EPFL-IC, Laboratoire de systèmes d'informations répartis </a:t>
+            </a:r>
+            <a:endParaRPr lang="en-GB" dirty="0"/>
+          </a:p>
+        </p:txBody>
+      </p:sp>
+    </p:spTree>
+    <p:extLst>
+      <p:ext uri="{BB962C8B-B14F-4D97-AF65-F5344CB8AC3E}">
+        <p14:creationId xmlns:p14="http://schemas.microsoft.com/office/powerpoint/2010/main" val="1663015713"/>
+      </p:ext>
+    </p:extLst>
+  </p:cSld>
+  <p:clrMapOvr>
+    <a:masterClrMapping/>
+  </p:clrMapOvr>
+</p:sld>
+</file>
+
+<file path=ppt/slides/slide20.xml><?xml version="1.0" encoding="utf-8"?>
+<p:sld xmlns:a="http://schemas.openxmlformats.org/drawingml/2006/main" xmlns:r="http://schemas.openxmlformats.org/officeDocument/2006/relationships" xmlns:p="http://schemas.openxmlformats.org/presentationml/2006/main">
+  <p:cSld>
+    <p:spTree>
+      <p:nvGrpSpPr>
+        <p:cNvPr id="1" name=""/>
+        <p:cNvGrpSpPr/>
+        <p:nvPr/>
+      </p:nvGrpSpPr>
+      <p:grpSpPr>
+        <a:xfrm>
+          <a:off x="0" y="0"/>
+          <a:ext cx="0" cy="0"/>
+          <a:chOff x="0" y="0"/>
+          <a:chExt cx="0" cy="0"/>
+        </a:xfrm>
+      </p:grpSpPr>
+      <p:sp>
+        <p:nvSpPr>
           <p:cNvPr id="18434" name="Footer Placeholder 3"/>
           <p:cNvSpPr>
             <a:spLocks noGrp="1"/>
@@ -9505,7 +9808,529 @@
 </p:sld>
 </file>
 
-<file path=ppt/slides/slide2.xml><?xml version="1.0" encoding="utf-8"?>
+<file path=ppt/slides/slide21.xml><?xml version="1.0" encoding="utf-8"?>
+<p:sld xmlns:a="http://schemas.openxmlformats.org/drawingml/2006/main" xmlns:r="http://schemas.openxmlformats.org/officeDocument/2006/relationships" xmlns:p="http://schemas.openxmlformats.org/presentationml/2006/main">
+  <p:cSld>
+    <p:spTree>
+      <p:nvGrpSpPr>
+        <p:cNvPr id="1" name=""/>
+        <p:cNvGrpSpPr/>
+        <p:nvPr/>
+      </p:nvGrpSpPr>
+      <p:grpSpPr>
+        <a:xfrm>
+          <a:off x="0" y="0"/>
+          <a:ext cx="0" cy="0"/>
+          <a:chOff x="0" y="0"/>
+          <a:chExt cx="0" cy="0"/>
+        </a:xfrm>
+      </p:grpSpPr>
+      <p:sp>
+        <p:nvSpPr>
+          <p:cNvPr id="19458" name="Footer Placeholder 3"/>
+          <p:cNvSpPr>
+            <a:spLocks noGrp="1"/>
+          </p:cNvSpPr>
+          <p:nvPr>
+            <p:ph type="ftr" sz="quarter" idx="10"/>
+          </p:nvPr>
+        </p:nvSpPr>
+        <p:spPr>
+          <a:noFill/>
+        </p:spPr>
+        <p:txBody>
+          <a:bodyPr/>
+          <a:lstStyle/>
+          <a:p>
+            <a:r>
+              <a:rPr lang="fr-CH"/>
+              <a:t>©2020, Karl Aberer, EPFL-IC, Laboratoire de systèmes d'informations répartis </a:t>
+            </a:r>
+            <a:endParaRPr lang="en-GB" dirty="0"/>
+          </a:p>
+        </p:txBody>
+      </p:sp>
+      <p:sp>
+        <p:nvSpPr>
+          <p:cNvPr id="19459" name="Rectangle 2"/>
+          <p:cNvSpPr>
+            <a:spLocks noGrp="1" noChangeArrowheads="1"/>
+          </p:cNvSpPr>
+          <p:nvPr>
+            <p:ph type="title"/>
+          </p:nvPr>
+        </p:nvSpPr>
+        <p:spPr/>
+        <p:txBody>
+          <a:bodyPr/>
+          <a:lstStyle/>
+          <a:p>
+            <a:pPr eaLnBrk="1" hangingPunct="1"/>
+            <a:r>
+              <a:rPr lang="en-US"/>
+              <a:t>References</a:t>
+            </a:r>
+          </a:p>
+        </p:txBody>
+      </p:sp>
+      <p:sp>
+        <p:nvSpPr>
+          <p:cNvPr id="19460" name="Rectangle 3"/>
+          <p:cNvSpPr>
+            <a:spLocks noGrp="1" noChangeArrowheads="1"/>
+          </p:cNvSpPr>
+          <p:nvPr>
+            <p:ph type="body" idx="1"/>
+          </p:nvPr>
+        </p:nvSpPr>
+        <p:spPr/>
+        <p:txBody>
+          <a:bodyPr/>
+          <a:lstStyle/>
+          <a:p>
+            <a:pPr eaLnBrk="1" hangingPunct="1"/>
+            <a:r>
+              <a:rPr lang="en-GB" sz="2400" dirty="0"/>
+              <a:t>Parts of the course are based on the following text books</a:t>
+            </a:r>
+          </a:p>
+          <a:p>
+            <a:pPr lvl="1" eaLnBrk="1" hangingPunct="1"/>
+            <a:r>
+              <a:rPr lang="en-GB" sz="2000" dirty="0"/>
+              <a:t>Ricardo </a:t>
+            </a:r>
+            <a:r>
+              <a:rPr lang="en-GB" sz="2000" dirty="0" err="1"/>
+              <a:t>Baeza</a:t>
+            </a:r>
+            <a:r>
+              <a:rPr lang="en-GB" sz="2000" dirty="0"/>
+              <a:t>-Yates, Berthier Ribeiro-</a:t>
+            </a:r>
+            <a:r>
+              <a:rPr lang="en-GB" sz="2000" dirty="0" err="1"/>
+              <a:t>Neto</a:t>
+            </a:r>
+            <a:r>
+              <a:rPr lang="en-GB" sz="2000" dirty="0"/>
+              <a:t>, Modern Information Retrieval (</a:t>
+            </a:r>
+            <a:r>
+              <a:rPr lang="en-GB" sz="2000" dirty="0" err="1"/>
+              <a:t>Acm</a:t>
+            </a:r>
+            <a:r>
+              <a:rPr lang="en-GB" sz="2000" dirty="0"/>
+              <a:t> Press Series),</a:t>
+            </a:r>
+            <a:r>
+              <a:rPr lang="fr-CH" sz="2000" dirty="0"/>
+              <a:t> </a:t>
+            </a:r>
+            <a:r>
+              <a:rPr lang="en-GB" sz="2000" dirty="0"/>
+              <a:t>Addison Wesley, 1999.</a:t>
+            </a:r>
+          </a:p>
+          <a:p>
+            <a:pPr lvl="1"/>
+            <a:r>
+              <a:rPr lang="en-GB" sz="2000" dirty="0"/>
+              <a:t>Jiawei Han, Data Mining: concepts and techniques, Morgan Kaufman, 2000.</a:t>
+            </a:r>
+          </a:p>
+          <a:p>
+            <a:pPr lvl="1"/>
+            <a:r>
+              <a:rPr lang="en-GB" sz="2000" dirty="0"/>
+              <a:t>Christopher D. Manning, </a:t>
+            </a:r>
+            <a:r>
+              <a:rPr lang="en-GB" sz="2000" dirty="0" err="1"/>
+              <a:t>Prabhakar</a:t>
+            </a:r>
+            <a:r>
+              <a:rPr lang="en-GB" sz="2000" dirty="0"/>
+              <a:t> </a:t>
+            </a:r>
+            <a:r>
+              <a:rPr lang="en-GB" sz="2000" dirty="0" err="1"/>
+              <a:t>Raghavan</a:t>
+            </a:r>
+            <a:r>
+              <a:rPr lang="en-GB" sz="2000" dirty="0"/>
+              <a:t> and </a:t>
+            </a:r>
+            <a:r>
+              <a:rPr lang="en-GB" sz="2000" dirty="0" err="1"/>
+              <a:t>Hinrich</a:t>
+            </a:r>
+            <a:r>
+              <a:rPr lang="en-GB" sz="2000" dirty="0"/>
+              <a:t> </a:t>
+            </a:r>
+            <a:r>
+              <a:rPr lang="en-GB" sz="2000" dirty="0" err="1"/>
+              <a:t>Schütze</a:t>
+            </a:r>
+            <a:r>
+              <a:rPr lang="en-GB" sz="2000" dirty="0"/>
+              <a:t>, Introduction to Information Retrieval, Cambridge University Press. 2008.</a:t>
+            </a:r>
+          </a:p>
+          <a:p>
+            <a:pPr lvl="1"/>
+            <a:r>
+              <a:rPr lang="en-GB" sz="2000" dirty="0"/>
+              <a:t>J </a:t>
+            </a:r>
+            <a:r>
+              <a:rPr lang="en-GB" sz="2000" dirty="0" err="1"/>
+              <a:t>Leskovec</a:t>
+            </a:r>
+            <a:r>
+              <a:rPr lang="en-GB" sz="2000" dirty="0"/>
+              <a:t>, A </a:t>
+            </a:r>
+            <a:r>
+              <a:rPr lang="en-GB" sz="2000" dirty="0" err="1"/>
+              <a:t>Rajaraman</a:t>
+            </a:r>
+            <a:r>
+              <a:rPr lang="en-GB" sz="2000" dirty="0"/>
+              <a:t>, JD Ullman, Mining of Massive Datasets, 2014.</a:t>
+            </a:r>
+          </a:p>
+          <a:p>
+            <a:pPr lvl="1" eaLnBrk="1" hangingPunct="1"/>
+            <a:endParaRPr lang="en-GB" sz="2000" dirty="0"/>
+          </a:p>
+          <a:p>
+            <a:pPr eaLnBrk="1" hangingPunct="1"/>
+            <a:r>
+              <a:rPr lang="en-GB" sz="2400" dirty="0"/>
+              <a:t>Further references to the literature will be given during the lecture</a:t>
+            </a:r>
+          </a:p>
+        </p:txBody>
+      </p:sp>
+    </p:spTree>
+    <p:extLst>
+      <p:ext uri="{BB962C8B-B14F-4D97-AF65-F5344CB8AC3E}">
+        <p14:creationId xmlns:p14="http://schemas.microsoft.com/office/powerpoint/2010/main" val="1276827164"/>
+      </p:ext>
+    </p:extLst>
+  </p:cSld>
+  <p:clrMapOvr>
+    <a:masterClrMapping/>
+  </p:clrMapOvr>
+</p:sld>
+</file>
+
+<file path=ppt/slides/slide22.xml><?xml version="1.0" encoding="utf-8"?>
+<p:sld xmlns:a="http://schemas.openxmlformats.org/drawingml/2006/main" xmlns:r="http://schemas.openxmlformats.org/officeDocument/2006/relationships" xmlns:p="http://schemas.openxmlformats.org/presentationml/2006/main">
+  <p:cSld>
+    <p:spTree>
+      <p:nvGrpSpPr>
+        <p:cNvPr id="1" name=""/>
+        <p:cNvGrpSpPr/>
+        <p:nvPr/>
+      </p:nvGrpSpPr>
+      <p:grpSpPr>
+        <a:xfrm>
+          <a:off x="0" y="0"/>
+          <a:ext cx="0" cy="0"/>
+          <a:chOff x="0" y="0"/>
+          <a:chExt cx="0" cy="0"/>
+        </a:xfrm>
+      </p:grpSpPr>
+      <p:sp>
+        <p:nvSpPr>
+          <p:cNvPr id="2" name="Title 1"/>
+          <p:cNvSpPr>
+            <a:spLocks noGrp="1"/>
+          </p:cNvSpPr>
+          <p:nvPr>
+            <p:ph type="title"/>
+          </p:nvPr>
+        </p:nvSpPr>
+        <p:spPr/>
+        <p:txBody>
+          <a:bodyPr/>
+          <a:lstStyle/>
+          <a:p>
+            <a:r>
+              <a:rPr lang="en-US" dirty="0"/>
+              <a:t>Free books</a:t>
+            </a:r>
+          </a:p>
+        </p:txBody>
+      </p:sp>
+      <p:sp>
+        <p:nvSpPr>
+          <p:cNvPr id="4" name="Footer Placeholder 3"/>
+          <p:cNvSpPr>
+            <a:spLocks noGrp="1"/>
+          </p:cNvSpPr>
+          <p:nvPr>
+            <p:ph type="ftr" sz="quarter" idx="10"/>
+          </p:nvPr>
+        </p:nvSpPr>
+        <p:spPr/>
+        <p:txBody>
+          <a:bodyPr/>
+          <a:lstStyle/>
+          <a:p>
+            <a:r>
+              <a:rPr lang="fr-CH"/>
+              <a:t>©2020, Karl Aberer, EPFL-IC, Laboratoire de systèmes d'informations répartis </a:t>
+            </a:r>
+            <a:endParaRPr lang="en-GB" dirty="0"/>
+          </a:p>
+        </p:txBody>
+      </p:sp>
+      <p:pic>
+        <p:nvPicPr>
+          <p:cNvPr id="8" name="Picture 7"/>
+          <p:cNvPicPr>
+            <a:picLocks noChangeAspect="1"/>
+          </p:cNvPicPr>
+          <p:nvPr/>
+        </p:nvPicPr>
+        <p:blipFill>
+          <a:blip r:embed="rId3"/>
+          <a:stretch>
+            <a:fillRect/>
+          </a:stretch>
+        </p:blipFill>
+        <p:spPr>
+          <a:xfrm>
+            <a:off x="611560" y="1196752"/>
+            <a:ext cx="3086596" cy="4400604"/>
+          </a:xfrm>
+          <a:prstGeom prst="rect">
+            <a:avLst/>
+          </a:prstGeom>
+        </p:spPr>
+      </p:pic>
+      <p:pic>
+        <p:nvPicPr>
+          <p:cNvPr id="9" name="Picture 8"/>
+          <p:cNvPicPr>
+            <a:picLocks noChangeAspect="1"/>
+          </p:cNvPicPr>
+          <p:nvPr/>
+        </p:nvPicPr>
+        <p:blipFill>
+          <a:blip r:embed="rId4"/>
+          <a:stretch>
+            <a:fillRect/>
+          </a:stretch>
+        </p:blipFill>
+        <p:spPr>
+          <a:xfrm>
+            <a:off x="4788024" y="1196752"/>
+            <a:ext cx="2983577" cy="4392488"/>
+          </a:xfrm>
+          <a:prstGeom prst="rect">
+            <a:avLst/>
+          </a:prstGeom>
+        </p:spPr>
+      </p:pic>
+      <p:sp>
+        <p:nvSpPr>
+          <p:cNvPr id="10" name="TextBox 9"/>
+          <p:cNvSpPr txBox="1"/>
+          <p:nvPr/>
+        </p:nvSpPr>
+        <p:spPr>
+          <a:xfrm>
+            <a:off x="1403648" y="5805264"/>
+            <a:ext cx="1424488" cy="400110"/>
+          </a:xfrm>
+          <a:prstGeom prst="rect">
+            <a:avLst/>
+          </a:prstGeom>
+          <a:noFill/>
+        </p:spPr>
+        <p:txBody>
+          <a:bodyPr wrap="none" rtlCol="0">
+            <a:spAutoFit/>
+          </a:bodyPr>
+          <a:lstStyle/>
+          <a:p>
+            <a:r>
+              <a:rPr lang="en-US" sz="2000" b="1" dirty="0" err="1"/>
+              <a:t>mmds.org</a:t>
+            </a:r>
+            <a:endParaRPr lang="en-US" sz="2000" b="1" dirty="0"/>
+          </a:p>
+        </p:txBody>
+      </p:sp>
+      <p:sp>
+        <p:nvSpPr>
+          <p:cNvPr id="11" name="TextBox 10"/>
+          <p:cNvSpPr txBox="1"/>
+          <p:nvPr/>
+        </p:nvSpPr>
+        <p:spPr>
+          <a:xfrm>
+            <a:off x="4788024" y="5805264"/>
+            <a:ext cx="4006225" cy="400110"/>
+          </a:xfrm>
+          <a:prstGeom prst="rect">
+            <a:avLst/>
+          </a:prstGeom>
+          <a:noFill/>
+        </p:spPr>
+        <p:txBody>
+          <a:bodyPr wrap="none" rtlCol="0">
+            <a:spAutoFit/>
+          </a:bodyPr>
+          <a:lstStyle/>
+          <a:p>
+            <a:r>
+              <a:rPr lang="en-US" sz="2000" b="1" dirty="0"/>
+              <a:t>http://</a:t>
+            </a:r>
+            <a:r>
+              <a:rPr lang="en-US" sz="2000" b="1" dirty="0" err="1"/>
+              <a:t>nlp.stanford.edu</a:t>
+            </a:r>
+            <a:r>
+              <a:rPr lang="en-US" sz="2000" b="1" dirty="0"/>
+              <a:t>/IR-book/</a:t>
+            </a:r>
+          </a:p>
+        </p:txBody>
+      </p:sp>
+    </p:spTree>
+    <p:extLst>
+      <p:ext uri="{BB962C8B-B14F-4D97-AF65-F5344CB8AC3E}">
+        <p14:creationId xmlns:p14="http://schemas.microsoft.com/office/powerpoint/2010/main" val="58767894"/>
+      </p:ext>
+    </p:extLst>
+  </p:cSld>
+  <p:clrMapOvr>
+    <a:masterClrMapping/>
+  </p:clrMapOvr>
+</p:sld>
+</file>
+
+<file path=ppt/slides/slide23.xml><?xml version="1.0" encoding="utf-8"?>
+<p:sld xmlns:a="http://schemas.openxmlformats.org/drawingml/2006/main" xmlns:r="http://schemas.openxmlformats.org/officeDocument/2006/relationships" xmlns:p="http://schemas.openxmlformats.org/presentationml/2006/main">
+  <p:cSld>
+    <p:spTree>
+      <p:nvGrpSpPr>
+        <p:cNvPr id="1" name=""/>
+        <p:cNvGrpSpPr/>
+        <p:nvPr/>
+      </p:nvGrpSpPr>
+      <p:grpSpPr>
+        <a:xfrm>
+          <a:off x="0" y="0"/>
+          <a:ext cx="0" cy="0"/>
+          <a:chOff x="0" y="0"/>
+          <a:chExt cx="0" cy="0"/>
+        </a:xfrm>
+      </p:grpSpPr>
+      <p:sp>
+        <p:nvSpPr>
+          <p:cNvPr id="2" name="Title 1">
+            <a:extLst>
+              <a:ext uri="{FF2B5EF4-FFF2-40B4-BE49-F238E27FC236}">
+                <a16:creationId xmlns:a16="http://schemas.microsoft.com/office/drawing/2014/main" id="{A5F00979-4173-FD4E-8503-7B714243740D}"/>
+              </a:ext>
+            </a:extLst>
+          </p:cNvPr>
+          <p:cNvSpPr>
+            <a:spLocks noGrp="1"/>
+          </p:cNvSpPr>
+          <p:nvPr>
+            <p:ph type="title"/>
+          </p:nvPr>
+        </p:nvSpPr>
+        <p:spPr/>
+        <p:txBody>
+          <a:bodyPr/>
+          <a:lstStyle/>
+          <a:p>
+            <a:r>
+              <a:rPr lang="en-US" dirty="0"/>
+              <a:t>Exam Date</a:t>
+            </a:r>
+          </a:p>
+        </p:txBody>
+      </p:sp>
+      <p:sp>
+        <p:nvSpPr>
+          <p:cNvPr id="3" name="Content Placeholder 2">
+            <a:extLst>
+              <a:ext uri="{FF2B5EF4-FFF2-40B4-BE49-F238E27FC236}">
+                <a16:creationId xmlns:a16="http://schemas.microsoft.com/office/drawing/2014/main" id="{688ECA6D-88C7-E34E-97F9-6566F4153B17}"/>
+              </a:ext>
+            </a:extLst>
+          </p:cNvPr>
+          <p:cNvSpPr>
+            <a:spLocks noGrp="1"/>
+          </p:cNvSpPr>
+          <p:nvPr>
+            <p:ph idx="1"/>
+          </p:nvPr>
+        </p:nvSpPr>
+        <p:spPr/>
+        <p:txBody>
+          <a:bodyPr/>
+          <a:lstStyle/>
+          <a:p>
+            <a:endParaRPr lang="en-US" dirty="0"/>
+          </a:p>
+        </p:txBody>
+      </p:sp>
+      <p:sp>
+        <p:nvSpPr>
+          <p:cNvPr id="4" name="Footer Placeholder 3">
+            <a:extLst>
+              <a:ext uri="{FF2B5EF4-FFF2-40B4-BE49-F238E27FC236}">
+                <a16:creationId xmlns:a16="http://schemas.microsoft.com/office/drawing/2014/main" id="{65A3CB65-6CFD-C743-A9FA-01BFD77BAA3A}"/>
+              </a:ext>
+            </a:extLst>
+          </p:cNvPr>
+          <p:cNvSpPr>
+            <a:spLocks noGrp="1"/>
+          </p:cNvSpPr>
+          <p:nvPr>
+            <p:ph type="ftr" sz="quarter" idx="10"/>
+          </p:nvPr>
+        </p:nvSpPr>
+        <p:spPr/>
+        <p:txBody>
+          <a:bodyPr/>
+          <a:lstStyle/>
+          <a:p>
+            <a:r>
+              <a:rPr lang="fr-CH"/>
+              <a:t>©2020, Karl Aberer, EPFL-IC, Laboratoire de systèmes d'informations répartis </a:t>
+            </a:r>
+            <a:endParaRPr lang="en-GB" dirty="0"/>
+          </a:p>
+        </p:txBody>
+      </p:sp>
+    </p:spTree>
+    <p:extLst>
+      <p:ext uri="{BB962C8B-B14F-4D97-AF65-F5344CB8AC3E}">
+        <p14:creationId xmlns:p14="http://schemas.microsoft.com/office/powerpoint/2010/main" val="1039921630"/>
+      </p:ext>
+    </p:extLst>
+  </p:cSld>
+  <p:clrMapOvr>
+    <a:masterClrMapping/>
+  </p:clrMapOvr>
+</p:sld>
+</file>
+
+<file path=ppt/slides/slide3.xml><?xml version="1.0" encoding="utf-8"?>
 <p:sld xmlns:a="http://schemas.openxmlformats.org/drawingml/2006/main" xmlns:r="http://schemas.openxmlformats.org/officeDocument/2006/relationships" xmlns:p="http://schemas.openxmlformats.org/presentationml/2006/main">
   <p:cSld>
     <p:spTree>
@@ -10137,678 +10962,6 @@
 </p:sld>
 </file>
 
-<file path=ppt/slides/slide20.xml><?xml version="1.0" encoding="utf-8"?>
-<p:sld xmlns:a="http://schemas.openxmlformats.org/drawingml/2006/main" xmlns:r="http://schemas.openxmlformats.org/officeDocument/2006/relationships" xmlns:p="http://schemas.openxmlformats.org/presentationml/2006/main">
-  <p:cSld>
-    <p:spTree>
-      <p:nvGrpSpPr>
-        <p:cNvPr id="1" name=""/>
-        <p:cNvGrpSpPr/>
-        <p:nvPr/>
-      </p:nvGrpSpPr>
-      <p:grpSpPr>
-        <a:xfrm>
-          <a:off x="0" y="0"/>
-          <a:ext cx="0" cy="0"/>
-          <a:chOff x="0" y="0"/>
-          <a:chExt cx="0" cy="0"/>
-        </a:xfrm>
-      </p:grpSpPr>
-      <p:sp>
-        <p:nvSpPr>
-          <p:cNvPr id="19458" name="Footer Placeholder 3"/>
-          <p:cNvSpPr>
-            <a:spLocks noGrp="1"/>
-          </p:cNvSpPr>
-          <p:nvPr>
-            <p:ph type="ftr" sz="quarter" idx="10"/>
-          </p:nvPr>
-        </p:nvSpPr>
-        <p:spPr>
-          <a:noFill/>
-        </p:spPr>
-        <p:txBody>
-          <a:bodyPr/>
-          <a:lstStyle/>
-          <a:p>
-            <a:r>
-              <a:rPr lang="fr-CH"/>
-              <a:t>©2020, Karl Aberer, EPFL-IC, Laboratoire de systèmes d'informations répartis </a:t>
-            </a:r>
-            <a:endParaRPr lang="en-GB" dirty="0"/>
-          </a:p>
-        </p:txBody>
-      </p:sp>
-      <p:sp>
-        <p:nvSpPr>
-          <p:cNvPr id="19459" name="Rectangle 2"/>
-          <p:cNvSpPr>
-            <a:spLocks noGrp="1" noChangeArrowheads="1"/>
-          </p:cNvSpPr>
-          <p:nvPr>
-            <p:ph type="title"/>
-          </p:nvPr>
-        </p:nvSpPr>
-        <p:spPr/>
-        <p:txBody>
-          <a:bodyPr/>
-          <a:lstStyle/>
-          <a:p>
-            <a:pPr eaLnBrk="1" hangingPunct="1"/>
-            <a:r>
-              <a:rPr lang="en-US"/>
-              <a:t>References</a:t>
-            </a:r>
-          </a:p>
-        </p:txBody>
-      </p:sp>
-      <p:sp>
-        <p:nvSpPr>
-          <p:cNvPr id="19460" name="Rectangle 3"/>
-          <p:cNvSpPr>
-            <a:spLocks noGrp="1" noChangeArrowheads="1"/>
-          </p:cNvSpPr>
-          <p:nvPr>
-            <p:ph type="body" idx="1"/>
-          </p:nvPr>
-        </p:nvSpPr>
-        <p:spPr/>
-        <p:txBody>
-          <a:bodyPr/>
-          <a:lstStyle/>
-          <a:p>
-            <a:pPr eaLnBrk="1" hangingPunct="1"/>
-            <a:r>
-              <a:rPr lang="en-GB" sz="2400" dirty="0"/>
-              <a:t>Parts of the course are based on the following text books</a:t>
-            </a:r>
-          </a:p>
-          <a:p>
-            <a:pPr lvl="1" eaLnBrk="1" hangingPunct="1"/>
-            <a:r>
-              <a:rPr lang="en-GB" sz="2000" dirty="0"/>
-              <a:t>Ricardo </a:t>
-            </a:r>
-            <a:r>
-              <a:rPr lang="en-GB" sz="2000" dirty="0" err="1"/>
-              <a:t>Baeza</a:t>
-            </a:r>
-            <a:r>
-              <a:rPr lang="en-GB" sz="2000" dirty="0"/>
-              <a:t>-Yates, Berthier Ribeiro-</a:t>
-            </a:r>
-            <a:r>
-              <a:rPr lang="en-GB" sz="2000" dirty="0" err="1"/>
-              <a:t>Neto</a:t>
-            </a:r>
-            <a:r>
-              <a:rPr lang="en-GB" sz="2000" dirty="0"/>
-              <a:t>, Modern Information Retrieval (</a:t>
-            </a:r>
-            <a:r>
-              <a:rPr lang="en-GB" sz="2000" dirty="0" err="1"/>
-              <a:t>Acm</a:t>
-            </a:r>
-            <a:r>
-              <a:rPr lang="en-GB" sz="2000" dirty="0"/>
-              <a:t> Press Series),</a:t>
-            </a:r>
-            <a:r>
-              <a:rPr lang="fr-CH" sz="2000" dirty="0"/>
-              <a:t> </a:t>
-            </a:r>
-            <a:r>
-              <a:rPr lang="en-GB" sz="2000" dirty="0"/>
-              <a:t>Addison Wesley, 1999.</a:t>
-            </a:r>
-          </a:p>
-          <a:p>
-            <a:pPr lvl="1"/>
-            <a:r>
-              <a:rPr lang="en-GB" sz="2000" dirty="0"/>
-              <a:t>Jiawei Han, Data Mining: concepts and techniques, Morgan Kaufman, 2000.</a:t>
-            </a:r>
-          </a:p>
-          <a:p>
-            <a:pPr lvl="1"/>
-            <a:r>
-              <a:rPr lang="en-GB" sz="2000" dirty="0"/>
-              <a:t>Christopher D. Manning, </a:t>
-            </a:r>
-            <a:r>
-              <a:rPr lang="en-GB" sz="2000" dirty="0" err="1"/>
-              <a:t>Prabhakar</a:t>
-            </a:r>
-            <a:r>
-              <a:rPr lang="en-GB" sz="2000" dirty="0"/>
-              <a:t> </a:t>
-            </a:r>
-            <a:r>
-              <a:rPr lang="en-GB" sz="2000" dirty="0" err="1"/>
-              <a:t>Raghavan</a:t>
-            </a:r>
-            <a:r>
-              <a:rPr lang="en-GB" sz="2000" dirty="0"/>
-              <a:t> and </a:t>
-            </a:r>
-            <a:r>
-              <a:rPr lang="en-GB" sz="2000" dirty="0" err="1"/>
-              <a:t>Hinrich</a:t>
-            </a:r>
-            <a:r>
-              <a:rPr lang="en-GB" sz="2000" dirty="0"/>
-              <a:t> </a:t>
-            </a:r>
-            <a:r>
-              <a:rPr lang="en-GB" sz="2000" dirty="0" err="1"/>
-              <a:t>Schütze</a:t>
-            </a:r>
-            <a:r>
-              <a:rPr lang="en-GB" sz="2000" dirty="0"/>
-              <a:t>, Introduction to Information Retrieval, Cambridge University Press. 2008.</a:t>
-            </a:r>
-          </a:p>
-          <a:p>
-            <a:pPr lvl="1"/>
-            <a:r>
-              <a:rPr lang="en-GB" sz="2000" dirty="0"/>
-              <a:t>J </a:t>
-            </a:r>
-            <a:r>
-              <a:rPr lang="en-GB" sz="2000" dirty="0" err="1"/>
-              <a:t>Leskovec</a:t>
-            </a:r>
-            <a:r>
-              <a:rPr lang="en-GB" sz="2000" dirty="0"/>
-              <a:t>, A </a:t>
-            </a:r>
-            <a:r>
-              <a:rPr lang="en-GB" sz="2000" dirty="0" err="1"/>
-              <a:t>Rajaraman</a:t>
-            </a:r>
-            <a:r>
-              <a:rPr lang="en-GB" sz="2000" dirty="0"/>
-              <a:t>, JD Ullman, Mining of Massive Datasets, 2014.</a:t>
-            </a:r>
-          </a:p>
-          <a:p>
-            <a:pPr lvl="1" eaLnBrk="1" hangingPunct="1"/>
-            <a:endParaRPr lang="en-GB" sz="2000" dirty="0"/>
-          </a:p>
-          <a:p>
-            <a:pPr eaLnBrk="1" hangingPunct="1"/>
-            <a:r>
-              <a:rPr lang="en-GB" sz="2400" dirty="0"/>
-              <a:t>Further references to the literature will be given during the lecture</a:t>
-            </a:r>
-          </a:p>
-        </p:txBody>
-      </p:sp>
-    </p:spTree>
-    <p:extLst>
-      <p:ext uri="{BB962C8B-B14F-4D97-AF65-F5344CB8AC3E}">
-        <p14:creationId xmlns:p14="http://schemas.microsoft.com/office/powerpoint/2010/main" val="1276827164"/>
-      </p:ext>
-    </p:extLst>
-  </p:cSld>
-  <p:clrMapOvr>
-    <a:masterClrMapping/>
-  </p:clrMapOvr>
-</p:sld>
-</file>
-
-<file path=ppt/slides/slide21.xml><?xml version="1.0" encoding="utf-8"?>
-<p:sld xmlns:a="http://schemas.openxmlformats.org/drawingml/2006/main" xmlns:r="http://schemas.openxmlformats.org/officeDocument/2006/relationships" xmlns:p="http://schemas.openxmlformats.org/presentationml/2006/main">
-  <p:cSld>
-    <p:spTree>
-      <p:nvGrpSpPr>
-        <p:cNvPr id="1" name=""/>
-        <p:cNvGrpSpPr/>
-        <p:nvPr/>
-      </p:nvGrpSpPr>
-      <p:grpSpPr>
-        <a:xfrm>
-          <a:off x="0" y="0"/>
-          <a:ext cx="0" cy="0"/>
-          <a:chOff x="0" y="0"/>
-          <a:chExt cx="0" cy="0"/>
-        </a:xfrm>
-      </p:grpSpPr>
-      <p:sp>
-        <p:nvSpPr>
-          <p:cNvPr id="2" name="Title 1"/>
-          <p:cNvSpPr>
-            <a:spLocks noGrp="1"/>
-          </p:cNvSpPr>
-          <p:nvPr>
-            <p:ph type="title"/>
-          </p:nvPr>
-        </p:nvSpPr>
-        <p:spPr/>
-        <p:txBody>
-          <a:bodyPr/>
-          <a:lstStyle/>
-          <a:p>
-            <a:r>
-              <a:rPr lang="en-US" dirty="0"/>
-              <a:t>Free books</a:t>
-            </a:r>
-          </a:p>
-        </p:txBody>
-      </p:sp>
-      <p:sp>
-        <p:nvSpPr>
-          <p:cNvPr id="4" name="Footer Placeholder 3"/>
-          <p:cNvSpPr>
-            <a:spLocks noGrp="1"/>
-          </p:cNvSpPr>
-          <p:nvPr>
-            <p:ph type="ftr" sz="quarter" idx="10"/>
-          </p:nvPr>
-        </p:nvSpPr>
-        <p:spPr/>
-        <p:txBody>
-          <a:bodyPr/>
-          <a:lstStyle/>
-          <a:p>
-            <a:r>
-              <a:rPr lang="fr-CH"/>
-              <a:t>©2020, Karl Aberer, EPFL-IC, Laboratoire de systèmes d'informations répartis </a:t>
-            </a:r>
-            <a:endParaRPr lang="en-GB" dirty="0"/>
-          </a:p>
-        </p:txBody>
-      </p:sp>
-      <p:pic>
-        <p:nvPicPr>
-          <p:cNvPr id="8" name="Picture 7"/>
-          <p:cNvPicPr>
-            <a:picLocks noChangeAspect="1"/>
-          </p:cNvPicPr>
-          <p:nvPr/>
-        </p:nvPicPr>
-        <p:blipFill>
-          <a:blip r:embed="rId3"/>
-          <a:stretch>
-            <a:fillRect/>
-          </a:stretch>
-        </p:blipFill>
-        <p:spPr>
-          <a:xfrm>
-            <a:off x="611560" y="1196752"/>
-            <a:ext cx="3086596" cy="4400604"/>
-          </a:xfrm>
-          <a:prstGeom prst="rect">
-            <a:avLst/>
-          </a:prstGeom>
-        </p:spPr>
-      </p:pic>
-      <p:pic>
-        <p:nvPicPr>
-          <p:cNvPr id="9" name="Picture 8"/>
-          <p:cNvPicPr>
-            <a:picLocks noChangeAspect="1"/>
-          </p:cNvPicPr>
-          <p:nvPr/>
-        </p:nvPicPr>
-        <p:blipFill>
-          <a:blip r:embed="rId4"/>
-          <a:stretch>
-            <a:fillRect/>
-          </a:stretch>
-        </p:blipFill>
-        <p:spPr>
-          <a:xfrm>
-            <a:off x="4788024" y="1196752"/>
-            <a:ext cx="2983577" cy="4392488"/>
-          </a:xfrm>
-          <a:prstGeom prst="rect">
-            <a:avLst/>
-          </a:prstGeom>
-        </p:spPr>
-      </p:pic>
-      <p:sp>
-        <p:nvSpPr>
-          <p:cNvPr id="10" name="TextBox 9"/>
-          <p:cNvSpPr txBox="1"/>
-          <p:nvPr/>
-        </p:nvSpPr>
-        <p:spPr>
-          <a:xfrm>
-            <a:off x="1403648" y="5805264"/>
-            <a:ext cx="1424488" cy="400110"/>
-          </a:xfrm>
-          <a:prstGeom prst="rect">
-            <a:avLst/>
-          </a:prstGeom>
-          <a:noFill/>
-        </p:spPr>
-        <p:txBody>
-          <a:bodyPr wrap="none" rtlCol="0">
-            <a:spAutoFit/>
-          </a:bodyPr>
-          <a:lstStyle/>
-          <a:p>
-            <a:r>
-              <a:rPr lang="en-US" sz="2000" b="1" dirty="0" err="1"/>
-              <a:t>mmds.org</a:t>
-            </a:r>
-            <a:endParaRPr lang="en-US" sz="2000" b="1" dirty="0"/>
-          </a:p>
-        </p:txBody>
-      </p:sp>
-      <p:sp>
-        <p:nvSpPr>
-          <p:cNvPr id="11" name="TextBox 10"/>
-          <p:cNvSpPr txBox="1"/>
-          <p:nvPr/>
-        </p:nvSpPr>
-        <p:spPr>
-          <a:xfrm>
-            <a:off x="4788024" y="5805264"/>
-            <a:ext cx="4006225" cy="400110"/>
-          </a:xfrm>
-          <a:prstGeom prst="rect">
-            <a:avLst/>
-          </a:prstGeom>
-          <a:noFill/>
-        </p:spPr>
-        <p:txBody>
-          <a:bodyPr wrap="none" rtlCol="0">
-            <a:spAutoFit/>
-          </a:bodyPr>
-          <a:lstStyle/>
-          <a:p>
-            <a:r>
-              <a:rPr lang="en-US" sz="2000" b="1" dirty="0"/>
-              <a:t>http://</a:t>
-            </a:r>
-            <a:r>
-              <a:rPr lang="en-US" sz="2000" b="1" dirty="0" err="1"/>
-              <a:t>nlp.stanford.edu</a:t>
-            </a:r>
-            <a:r>
-              <a:rPr lang="en-US" sz="2000" b="1" dirty="0"/>
-              <a:t>/IR-book/</a:t>
-            </a:r>
-          </a:p>
-        </p:txBody>
-      </p:sp>
-    </p:spTree>
-    <p:extLst>
-      <p:ext uri="{BB962C8B-B14F-4D97-AF65-F5344CB8AC3E}">
-        <p14:creationId xmlns:p14="http://schemas.microsoft.com/office/powerpoint/2010/main" val="58767894"/>
-      </p:ext>
-    </p:extLst>
-  </p:cSld>
-  <p:clrMapOvr>
-    <a:masterClrMapping/>
-  </p:clrMapOvr>
-</p:sld>
-</file>
-
-<file path=ppt/slides/slide22.xml><?xml version="1.0" encoding="utf-8"?>
-<p:sld xmlns:a="http://schemas.openxmlformats.org/drawingml/2006/main" xmlns:r="http://schemas.openxmlformats.org/officeDocument/2006/relationships" xmlns:p="http://schemas.openxmlformats.org/presentationml/2006/main">
-  <p:cSld>
-    <p:spTree>
-      <p:nvGrpSpPr>
-        <p:cNvPr id="1" name=""/>
-        <p:cNvGrpSpPr/>
-        <p:nvPr/>
-      </p:nvGrpSpPr>
-      <p:grpSpPr>
-        <a:xfrm>
-          <a:off x="0" y="0"/>
-          <a:ext cx="0" cy="0"/>
-          <a:chOff x="0" y="0"/>
-          <a:chExt cx="0" cy="0"/>
-        </a:xfrm>
-      </p:grpSpPr>
-      <p:sp>
-        <p:nvSpPr>
-          <p:cNvPr id="2" name="Title 1">
-            <a:extLst>
-              <a:ext uri="{FF2B5EF4-FFF2-40B4-BE49-F238E27FC236}">
-                <a16:creationId xmlns:a16="http://schemas.microsoft.com/office/drawing/2014/main" id="{A5F00979-4173-FD4E-8503-7B714243740D}"/>
-              </a:ext>
-            </a:extLst>
-          </p:cNvPr>
-          <p:cNvSpPr>
-            <a:spLocks noGrp="1"/>
-          </p:cNvSpPr>
-          <p:nvPr>
-            <p:ph type="title"/>
-          </p:nvPr>
-        </p:nvSpPr>
-        <p:spPr/>
-        <p:txBody>
-          <a:bodyPr/>
-          <a:lstStyle/>
-          <a:p>
-            <a:r>
-              <a:rPr lang="en-US" dirty="0"/>
-              <a:t>Exam Date</a:t>
-            </a:r>
-          </a:p>
-        </p:txBody>
-      </p:sp>
-      <p:sp>
-        <p:nvSpPr>
-          <p:cNvPr id="3" name="Content Placeholder 2">
-            <a:extLst>
-              <a:ext uri="{FF2B5EF4-FFF2-40B4-BE49-F238E27FC236}">
-                <a16:creationId xmlns:a16="http://schemas.microsoft.com/office/drawing/2014/main" id="{688ECA6D-88C7-E34E-97F9-6566F4153B17}"/>
-              </a:ext>
-            </a:extLst>
-          </p:cNvPr>
-          <p:cNvSpPr>
-            <a:spLocks noGrp="1"/>
-          </p:cNvSpPr>
-          <p:nvPr>
-            <p:ph idx="1"/>
-          </p:nvPr>
-        </p:nvSpPr>
-        <p:spPr/>
-        <p:txBody>
-          <a:bodyPr/>
-          <a:lstStyle/>
-          <a:p>
-            <a:endParaRPr lang="en-US" dirty="0"/>
-          </a:p>
-        </p:txBody>
-      </p:sp>
-      <p:sp>
-        <p:nvSpPr>
-          <p:cNvPr id="4" name="Footer Placeholder 3">
-            <a:extLst>
-              <a:ext uri="{FF2B5EF4-FFF2-40B4-BE49-F238E27FC236}">
-                <a16:creationId xmlns:a16="http://schemas.microsoft.com/office/drawing/2014/main" id="{65A3CB65-6CFD-C743-A9FA-01BFD77BAA3A}"/>
-              </a:ext>
-            </a:extLst>
-          </p:cNvPr>
-          <p:cNvSpPr>
-            <a:spLocks noGrp="1"/>
-          </p:cNvSpPr>
-          <p:nvPr>
-            <p:ph type="ftr" sz="quarter" idx="10"/>
-          </p:nvPr>
-        </p:nvSpPr>
-        <p:spPr/>
-        <p:txBody>
-          <a:bodyPr/>
-          <a:lstStyle/>
-          <a:p>
-            <a:r>
-              <a:rPr lang="fr-CH"/>
-              <a:t>©2020, Karl Aberer, EPFL-IC, Laboratoire de systèmes d'informations répartis </a:t>
-            </a:r>
-            <a:endParaRPr lang="en-GB" dirty="0"/>
-          </a:p>
-        </p:txBody>
-      </p:sp>
-    </p:spTree>
-    <p:extLst>
-      <p:ext uri="{BB962C8B-B14F-4D97-AF65-F5344CB8AC3E}">
-        <p14:creationId xmlns:p14="http://schemas.microsoft.com/office/powerpoint/2010/main" val="1039921630"/>
-      </p:ext>
-    </p:extLst>
-  </p:cSld>
-  <p:clrMapOvr>
-    <a:masterClrMapping/>
-  </p:clrMapOvr>
-</p:sld>
-</file>
-
-<file path=ppt/slides/slide3.xml><?xml version="1.0" encoding="utf-8"?>
-<p:sld xmlns:a="http://schemas.openxmlformats.org/drawingml/2006/main" xmlns:r="http://schemas.openxmlformats.org/officeDocument/2006/relationships" xmlns:p="http://schemas.openxmlformats.org/presentationml/2006/main">
-  <p:cSld>
-    <p:spTree>
-      <p:nvGrpSpPr>
-        <p:cNvPr id="1" name=""/>
-        <p:cNvGrpSpPr/>
-        <p:nvPr/>
-      </p:nvGrpSpPr>
-      <p:grpSpPr>
-        <a:xfrm>
-          <a:off x="0" y="0"/>
-          <a:ext cx="0" cy="0"/>
-          <a:chOff x="0" y="0"/>
-          <a:chExt cx="0" cy="0"/>
-        </a:xfrm>
-      </p:grpSpPr>
-      <p:sp>
-        <p:nvSpPr>
-          <p:cNvPr id="2" name="Title 1"/>
-          <p:cNvSpPr>
-            <a:spLocks noGrp="1"/>
-          </p:cNvSpPr>
-          <p:nvPr>
-            <p:ph type="title"/>
-          </p:nvPr>
-        </p:nvSpPr>
-        <p:spPr/>
-        <p:txBody>
-          <a:bodyPr/>
-          <a:lstStyle/>
-          <a:p>
-            <a:r>
-              <a:rPr lang="en-US" dirty="0"/>
-              <a:t>Focus of the Course</a:t>
-            </a:r>
-          </a:p>
-        </p:txBody>
-      </p:sp>
-      <p:sp>
-        <p:nvSpPr>
-          <p:cNvPr id="3" name="Content Placeholder 2"/>
-          <p:cNvSpPr>
-            <a:spLocks noGrp="1"/>
-          </p:cNvSpPr>
-          <p:nvPr>
-            <p:ph idx="1"/>
-          </p:nvPr>
-        </p:nvSpPr>
-        <p:spPr>
-          <a:xfrm>
-            <a:off x="442664" y="1340768"/>
-            <a:ext cx="8305800" cy="5029200"/>
-          </a:xfrm>
-        </p:spPr>
-        <p:txBody>
-          <a:bodyPr/>
-          <a:lstStyle/>
-          <a:p>
-            <a:r>
-              <a:rPr lang="en-US" dirty="0"/>
-              <a:t>Master important </a:t>
-            </a:r>
-            <a:r>
-              <a:rPr lang="en-US" b="1" dirty="0">
-                <a:solidFill>
-                  <a:schemeClr val="bg2"/>
-                </a:solidFill>
-              </a:rPr>
-              <a:t>Models and Algorithms</a:t>
-            </a:r>
-            <a:r>
-              <a:rPr lang="en-US" dirty="0"/>
-              <a:t> for representing and processing information:</a:t>
-            </a:r>
-          </a:p>
-          <a:p>
-            <a:r>
-              <a:rPr lang="en-US" i="1" dirty="0"/>
-              <a:t>Data Science</a:t>
-            </a:r>
-          </a:p>
-          <a:p>
-            <a:endParaRPr lang="en-US" dirty="0"/>
-          </a:p>
-          <a:p>
-            <a:r>
-              <a:rPr lang="en-US" dirty="0"/>
-              <a:t>Conceptual foundations to practically use tools and platforms for Data Science</a:t>
-            </a:r>
-          </a:p>
-          <a:p>
-            <a:pPr marL="457200" indent="-457200">
-              <a:buFont typeface="Arial" panose="020B0604020202020204" pitchFamily="34" charset="0"/>
-              <a:buChar char="•"/>
-            </a:pPr>
-            <a:r>
-              <a:rPr lang="en-US" dirty="0"/>
-              <a:t>Complementary to </a:t>
-            </a:r>
-            <a:r>
-              <a:rPr lang="en-US" i="1" dirty="0"/>
-              <a:t>Applied Data Analysis </a:t>
-            </a:r>
-            <a:r>
-              <a:rPr lang="en-US" dirty="0"/>
-              <a:t>by Bob West</a:t>
-            </a:r>
-          </a:p>
-          <a:p>
-            <a:endParaRPr lang="en-US" dirty="0"/>
-          </a:p>
-        </p:txBody>
-      </p:sp>
-      <p:sp>
-        <p:nvSpPr>
-          <p:cNvPr id="4" name="Footer Placeholder 3"/>
-          <p:cNvSpPr>
-            <a:spLocks noGrp="1"/>
-          </p:cNvSpPr>
-          <p:nvPr>
-            <p:ph type="ftr" sz="quarter" idx="10"/>
-          </p:nvPr>
-        </p:nvSpPr>
-        <p:spPr/>
-        <p:txBody>
-          <a:bodyPr/>
-          <a:lstStyle/>
-          <a:p>
-            <a:r>
-              <a:rPr lang="fr-CH"/>
-              <a:t>©2020, Karl Aberer, EPFL-IC, Laboratoire de systèmes d'informations répartis </a:t>
-            </a:r>
-            <a:endParaRPr lang="en-GB" dirty="0"/>
-          </a:p>
-        </p:txBody>
-      </p:sp>
-    </p:spTree>
-    <p:extLst>
-      <p:ext uri="{BB962C8B-B14F-4D97-AF65-F5344CB8AC3E}">
-        <p14:creationId xmlns:p14="http://schemas.microsoft.com/office/powerpoint/2010/main" val="697415091"/>
-      </p:ext>
-    </p:extLst>
-  </p:cSld>
-  <p:clrMapOvr>
-    <a:masterClrMapping/>
-  </p:clrMapOvr>
-</p:sld>
-</file>
-
 <file path=ppt/slides/slide4.xml><?xml version="1.0" encoding="utf-8"?>
 <p:sld xmlns:a="http://schemas.openxmlformats.org/drawingml/2006/main" xmlns:r="http://schemas.openxmlformats.org/officeDocument/2006/relationships" xmlns:p="http://schemas.openxmlformats.org/presentationml/2006/main">
   <p:cSld>
@@ -10828,65 +10981,39 @@
       </p:grpSpPr>
       <p:sp>
         <p:nvSpPr>
-          <p:cNvPr id="13314" name="Footer Placeholder 3"/>
+          <p:cNvPr id="2" name="Title 1"/>
           <p:cNvSpPr>
             <a:spLocks noGrp="1"/>
           </p:cNvSpPr>
           <p:nvPr>
-            <p:ph type="ftr" sz="quarter" idx="10"/>
-          </p:nvPr>
-        </p:nvSpPr>
-        <p:spPr>
-          <a:noFill/>
-        </p:spPr>
+            <p:ph type="title"/>
+          </p:nvPr>
+        </p:nvSpPr>
+        <p:spPr/>
         <p:txBody>
           <a:bodyPr/>
           <a:lstStyle/>
           <a:p>
             <a:r>
-              <a:rPr lang="fr-CH"/>
-              <a:t>©2020, Karl Aberer, EPFL-IC, Laboratoire de systèmes d'informations répartis </a:t>
-            </a:r>
-            <a:endParaRPr lang="en-GB" dirty="0"/>
-          </a:p>
-        </p:txBody>
-      </p:sp>
-      <p:sp>
-        <p:nvSpPr>
-          <p:cNvPr id="13315" name="Rectangle 2"/>
-          <p:cNvSpPr>
-            <a:spLocks noGrp="1" noChangeArrowheads="1"/>
-          </p:cNvSpPr>
-          <p:nvPr>
-            <p:ph type="title"/>
-          </p:nvPr>
-        </p:nvSpPr>
-        <p:spPr/>
-        <p:txBody>
-          <a:bodyPr/>
-          <a:lstStyle/>
-          <a:p>
-            <a:pPr eaLnBrk="1" hangingPunct="1"/>
-            <a:r>
               <a:rPr lang="en-US" dirty="0"/>
-              <a:t>Other Related Courses</a:t>
-            </a:r>
-          </a:p>
-        </p:txBody>
-      </p:sp>
-      <p:sp>
-        <p:nvSpPr>
-          <p:cNvPr id="13316" name="Rectangle 3"/>
-          <p:cNvSpPr>
-            <a:spLocks noGrp="1" noChangeArrowheads="1"/>
-          </p:cNvSpPr>
-          <p:nvPr>
-            <p:ph type="body" idx="1"/>
+              <a:t>Focus of the Course</a:t>
+            </a:r>
+          </a:p>
+        </p:txBody>
+      </p:sp>
+      <p:sp>
+        <p:nvSpPr>
+          <p:cNvPr id="3" name="Content Placeholder 2"/>
+          <p:cNvSpPr>
+            <a:spLocks noGrp="1"/>
+          </p:cNvSpPr>
+          <p:nvPr>
+            <p:ph idx="1"/>
           </p:nvPr>
         </p:nvSpPr>
         <p:spPr>
           <a:xfrm>
-            <a:off x="179388" y="1340768"/>
+            <a:off x="442664" y="1340768"/>
             <a:ext cx="8305800" cy="5029200"/>
           </a:xfrm>
         </p:spPr>
@@ -10895,8 +11022,35 @@
           <a:lstStyle/>
           <a:p>
             <a:r>
-              <a:rPr lang="en-US" sz="2400" dirty="0"/>
-              <a:t>In synergy with</a:t>
+              <a:rPr lang="en-US" dirty="0"/>
+              <a:t>Master important </a:t>
+            </a:r>
+            <a:r>
+              <a:rPr lang="en-US" b="1" dirty="0">
+                <a:solidFill>
+                  <a:schemeClr val="bg2"/>
+                </a:solidFill>
+              </a:rPr>
+              <a:t>Models and Algorithms</a:t>
+            </a:r>
+            <a:r>
+              <a:rPr lang="en-US" dirty="0"/>
+              <a:t> for representing and processing information:</a:t>
+            </a:r>
+          </a:p>
+          <a:p>
+            <a:r>
+              <a:rPr lang="en-US" i="1" dirty="0"/>
+              <a:t>Data Science</a:t>
+            </a:r>
+          </a:p>
+          <a:p>
+            <a:endParaRPr lang="en-US" dirty="0"/>
+          </a:p>
+          <a:p>
+            <a:r>
+              <a:rPr lang="en-US" dirty="0"/>
+              <a:t>Conceptual foundations to practically use tools and platforms for Data Science</a:t>
             </a:r>
           </a:p>
           <a:p>
@@ -10905,88 +11059,50 @@
               <a:buChar char="•"/>
             </a:pPr>
             <a:r>
-              <a:rPr lang="en-US" sz="2400" dirty="0"/>
-              <a:t>Applied Data Analysis</a:t>
-            </a:r>
-          </a:p>
-          <a:p>
-            <a:r>
-              <a:rPr lang="en-US" sz="2400" dirty="0"/>
-              <a:t>Complementary to</a:t>
-            </a:r>
-          </a:p>
-          <a:p>
-            <a:pPr marL="457200" indent="-457200">
-              <a:buFont typeface="Arial" panose="020B0604020202020204" pitchFamily="34" charset="0"/>
-              <a:buChar char="•"/>
-            </a:pPr>
-            <a:r>
-              <a:rPr lang="en-US" sz="2400" dirty="0"/>
-              <a:t>Introduction to database systems</a:t>
-            </a:r>
-          </a:p>
-          <a:p>
-            <a:pPr marL="457200" indent="-457200">
-              <a:buFont typeface="Arial" panose="020B0604020202020204" pitchFamily="34" charset="0"/>
-              <a:buChar char="•"/>
-            </a:pPr>
-            <a:r>
-              <a:rPr lang="en-US" sz="2400" dirty="0"/>
-              <a:t>Database systems</a:t>
-            </a:r>
-          </a:p>
-          <a:p>
-            <a:r>
-              <a:rPr lang="en-US" sz="2400" dirty="0"/>
-              <a:t>Some overlaps possible with</a:t>
-            </a:r>
-          </a:p>
-          <a:p>
-            <a:pPr marL="457200" indent="-457200">
-              <a:buFont typeface="Arial" panose="020B0604020202020204" pitchFamily="34" charset="0"/>
-              <a:buChar char="•"/>
-            </a:pPr>
-            <a:r>
-              <a:rPr lang="en-US" sz="2400" dirty="0"/>
-              <a:t>Introduction to machine learning</a:t>
-            </a:r>
-          </a:p>
-          <a:p>
-            <a:pPr marL="457200" indent="-457200">
-              <a:buFont typeface="Arial" panose="020B0604020202020204" pitchFamily="34" charset="0"/>
-              <a:buChar char="•"/>
-            </a:pPr>
-            <a:r>
-              <a:rPr lang="en-US" sz="2400" dirty="0"/>
-              <a:t>Machine learning</a:t>
-            </a:r>
-          </a:p>
-          <a:p>
-            <a:pPr marL="457200" indent="-457200">
-              <a:buFont typeface="Arial" panose="020B0604020202020204" pitchFamily="34" charset="0"/>
-              <a:buChar char="•"/>
-            </a:pPr>
-            <a:r>
-              <a:rPr lang="en-US" sz="2400" dirty="0"/>
-              <a:t>Introduction to natural language processing</a:t>
-            </a:r>
-          </a:p>
-          <a:p>
-            <a:pPr marL="457200" indent="-457200">
-              <a:buFont typeface="Arial" panose="020B0604020202020204" pitchFamily="34" charset="0"/>
-              <a:buChar char="•"/>
-            </a:pPr>
-            <a:r>
-              <a:rPr lang="en-US" sz="2400" dirty="0"/>
-              <a:t>Internet analytics</a:t>
-            </a:r>
+              <a:rPr lang="en-US" dirty="0"/>
+              <a:t>Complementary to </a:t>
+            </a:r>
+            <a:r>
+              <a:rPr lang="en-US" i="1" dirty="0"/>
+              <a:t>Applied Data Analysis </a:t>
+            </a:r>
+            <a:r>
+              <a:rPr lang="en-US" dirty="0"/>
+              <a:t>by Bob West</a:t>
+            </a:r>
+          </a:p>
+          <a:p>
+            <a:endParaRPr lang="en-US" dirty="0"/>
+          </a:p>
+        </p:txBody>
+      </p:sp>
+      <p:sp>
+        <p:nvSpPr>
+          <p:cNvPr id="4" name="Footer Placeholder 3"/>
+          <p:cNvSpPr>
+            <a:spLocks noGrp="1"/>
+          </p:cNvSpPr>
+          <p:nvPr>
+            <p:ph type="ftr" sz="quarter" idx="10"/>
+          </p:nvPr>
+        </p:nvSpPr>
+        <p:spPr/>
+        <p:txBody>
+          <a:bodyPr/>
+          <a:lstStyle/>
+          <a:p>
+            <a:r>
+              <a:rPr lang="fr-CH"/>
+              <a:t>©2020, Karl Aberer, EPFL-IC, Laboratoire de systèmes d'informations répartis </a:t>
+            </a:r>
+            <a:endParaRPr lang="en-GB" dirty="0"/>
           </a:p>
         </p:txBody>
       </p:sp>
     </p:spTree>
     <p:extLst>
       <p:ext uri="{BB962C8B-B14F-4D97-AF65-F5344CB8AC3E}">
-        <p14:creationId xmlns:p14="http://schemas.microsoft.com/office/powerpoint/2010/main" val="2480401331"/>
+        <p14:creationId xmlns:p14="http://schemas.microsoft.com/office/powerpoint/2010/main" val="697415091"/>
       </p:ext>
     </p:extLst>
   </p:cSld>
@@ -11015,158 +11131,37 @@
       </p:grpSpPr>
       <p:sp>
         <p:nvSpPr>
-          <p:cNvPr id="13313" name="TPQuestion" title="Question Text"/>
+          <p:cNvPr id="13314" name="Footer Placeholder 3"/>
           <p:cNvSpPr>
             <a:spLocks noGrp="1"/>
           </p:cNvSpPr>
           <p:nvPr>
-            <p:ph type="title"/>
-          </p:nvPr>
-        </p:nvSpPr>
-        <p:spPr/>
+            <p:ph type="ftr" sz="quarter" idx="10"/>
+          </p:nvPr>
+        </p:nvSpPr>
+        <p:spPr>
+          <a:noFill/>
+        </p:spPr>
         <p:txBody>
           <a:bodyPr/>
           <a:lstStyle/>
           <a:p>
             <a:r>
-              <a:rPr lang="en-US" altLang="en-US" sz="4000" dirty="0">
-                <a:ea typeface="MS PGothic" charset="-128"/>
-              </a:rPr>
-              <a:t>Which masters program are you from?</a:t>
-            </a:r>
-          </a:p>
-        </p:txBody>
-      </p:sp>
-      <p:sp>
-        <p:nvSpPr>
-          <p:cNvPr id="13314" name="TPAnswers" title="Answer Text"/>
-          <p:cNvSpPr>
-            <a:spLocks noGrp="1"/>
-          </p:cNvSpPr>
-          <p:nvPr>
-            <p:ph idx="1"/>
-            <p:custDataLst>
-              <p:tags r:id="rId2"/>
-            </p:custDataLst>
-          </p:nvPr>
-        </p:nvSpPr>
-        <p:spPr/>
-        <p:txBody>
-          <a:bodyPr>
-            <a:normAutofit/>
-          </a:bodyPr>
-          <a:lstStyle/>
-          <a:p>
-            <a:pPr marL="971550" lvl="1" indent="-514350">
-              <a:buFont typeface="+mj-lt"/>
-              <a:buAutoNum type="arabicPeriod"/>
-            </a:pPr>
-            <a:r>
-              <a:rPr lang="fr-FR" dirty="0"/>
-              <a:t>Computer Science</a:t>
-            </a:r>
-          </a:p>
-          <a:p>
-            <a:pPr marL="971550" lvl="1" indent="-514350">
-              <a:buFont typeface="+mj-lt"/>
-              <a:buAutoNum type="arabicPeriod"/>
-            </a:pPr>
-            <a:r>
-              <a:rPr lang="fr-FR" dirty="0"/>
-              <a:t>Communications</a:t>
-            </a:r>
-          </a:p>
-          <a:p>
-            <a:pPr marL="971550" lvl="1" indent="-514350">
-              <a:buFont typeface="+mj-lt"/>
-              <a:buAutoNum type="arabicPeriod"/>
-            </a:pPr>
-            <a:r>
-              <a:rPr lang="fr-FR" dirty="0"/>
-              <a:t>Data Science</a:t>
-            </a:r>
-          </a:p>
-          <a:p>
-            <a:pPr marL="971550" lvl="1" indent="-514350">
-              <a:buFont typeface="+mj-lt"/>
-              <a:buAutoNum type="arabicPeriod"/>
-            </a:pPr>
-            <a:r>
-              <a:rPr lang="fr-FR" dirty="0"/>
-              <a:t>Cybersecurity</a:t>
-            </a:r>
-          </a:p>
-          <a:p>
-            <a:pPr marL="971550" lvl="1" indent="-514350">
-              <a:buFont typeface="+mj-lt"/>
-              <a:buAutoNum type="arabicPeriod"/>
-            </a:pPr>
-            <a:r>
-              <a:rPr lang="fr-FR" dirty="0"/>
-              <a:t>Digital Humanities</a:t>
-            </a:r>
-          </a:p>
-          <a:p>
-            <a:pPr marL="971550" lvl="1" indent="-514350">
-              <a:buFont typeface="+mj-lt"/>
-              <a:buAutoNum type="arabicPeriod"/>
-            </a:pPr>
-            <a:r>
-              <a:rPr lang="fr-FR" dirty="0"/>
-              <a:t>Life Science</a:t>
-            </a:r>
-          </a:p>
-          <a:p>
-            <a:pPr marL="971550" lvl="1" indent="-514350">
-              <a:buFont typeface="+mj-lt"/>
-              <a:buAutoNum type="arabicPeriod"/>
-            </a:pPr>
-            <a:r>
-              <a:rPr lang="fr-FR" dirty="0"/>
-              <a:t>Electrical Engineering</a:t>
-            </a:r>
-          </a:p>
-          <a:p>
-            <a:pPr marL="971550" lvl="1" indent="-514350">
-              <a:buFont typeface="+mj-lt"/>
-              <a:buAutoNum type="arabicPeriod"/>
-            </a:pPr>
-            <a:r>
-              <a:rPr lang="fr-FR" dirty="0" err="1"/>
-              <a:t>Environmental</a:t>
-            </a:r>
-            <a:r>
-              <a:rPr lang="fr-FR" dirty="0"/>
-              <a:t> Science</a:t>
-            </a:r>
-          </a:p>
-          <a:p>
-            <a:pPr marL="971550" lvl="1" indent="-514350">
-              <a:buFont typeface="+mj-lt"/>
-              <a:buAutoNum type="arabicPeriod"/>
-            </a:pPr>
-            <a:r>
-              <a:rPr lang="fr-FR" dirty="0" err="1"/>
-              <a:t>Others</a:t>
-            </a:r>
-            <a:endParaRPr lang="fr-FR" dirty="0"/>
-          </a:p>
-        </p:txBody>
-      </p:sp>
-      <p:sp>
-        <p:nvSpPr>
-          <p:cNvPr id="2" name="Footer Placeholder 1">
-            <a:extLst>
-              <a:ext uri="{FF2B5EF4-FFF2-40B4-BE49-F238E27FC236}">
-                <a16:creationId xmlns:a16="http://schemas.microsoft.com/office/drawing/2014/main" id="{7515BA04-9DF0-4F4A-A471-B0574B15DD6A}"/>
-              </a:ext>
-            </a:extLst>
-          </p:cNvPr>
-          <p:cNvSpPr>
-            <a:spLocks noGrp="1"/>
-          </p:cNvSpPr>
-          <p:nvPr>
-            <p:ph type="ftr" sz="quarter" idx="10"/>
+              <a:rPr lang="fr-CH"/>
+              <a:t>©2020, Karl Aberer, EPFL-IC, Laboratoire de systèmes d'informations répartis </a:t>
+            </a:r>
+            <a:endParaRPr lang="en-GB" dirty="0"/>
+          </a:p>
+        </p:txBody>
+      </p:sp>
+      <p:sp>
+        <p:nvSpPr>
+          <p:cNvPr id="13315" name="Rectangle 2"/>
+          <p:cNvSpPr>
+            <a:spLocks noGrp="1" noChangeArrowheads="1"/>
+          </p:cNvSpPr>
+          <p:nvPr>
+            <p:ph type="title"/>
           </p:nvPr>
         </p:nvSpPr>
         <p:spPr/>
@@ -11174,20 +11169,129 @@
           <a:bodyPr/>
           <a:lstStyle/>
           <a:p>
-            <a:pPr>
-              <a:defRPr/>
+            <a:pPr eaLnBrk="1" hangingPunct="1"/>
+            <a:r>
+              <a:rPr lang="en-US" dirty="0"/>
+              <a:t>Other Related Courses</a:t>
+            </a:r>
+          </a:p>
+        </p:txBody>
+      </p:sp>
+      <p:sp>
+        <p:nvSpPr>
+          <p:cNvPr id="13316" name="Rectangle 3"/>
+          <p:cNvSpPr>
+            <a:spLocks noGrp="1" noChangeArrowheads="1"/>
+          </p:cNvSpPr>
+          <p:nvPr>
+            <p:ph type="body" idx="1"/>
+          </p:nvPr>
+        </p:nvSpPr>
+        <p:spPr>
+          <a:xfrm>
+            <a:off x="179388" y="1340768"/>
+            <a:ext cx="8305800" cy="5029200"/>
+          </a:xfrm>
+        </p:spPr>
+        <p:txBody>
+          <a:bodyPr/>
+          <a:lstStyle/>
+          <a:p>
+            <a:r>
+              <a:rPr lang="en-US" sz="2400" dirty="0"/>
+              <a:t>In synergy with</a:t>
+            </a:r>
+          </a:p>
+          <a:p>
+            <a:pPr marL="457200" indent="-457200">
+              <a:buFont typeface="Arial" panose="020B0604020202020204" pitchFamily="34" charset="0"/>
+              <a:buChar char="•"/>
             </a:pPr>
             <a:r>
-              <a:rPr lang="en-US"/>
-              <a:t>©2020, Karl Aberer, EPFL-IC, Laboratoire de systèmes d'informations répartis </a:t>
+              <a:rPr lang="en-US" sz="2400" dirty="0"/>
+              <a:t>Applied Data Analysis</a:t>
+            </a:r>
+          </a:p>
+          <a:p>
+            <a:r>
+              <a:rPr lang="en-US" sz="2400" dirty="0"/>
+              <a:t>Complementary to</a:t>
+            </a:r>
+          </a:p>
+          <a:p>
+            <a:pPr marL="457200" indent="-457200">
+              <a:buFont typeface="Arial" panose="020B0604020202020204" pitchFamily="34" charset="0"/>
+              <a:buChar char="•"/>
+            </a:pPr>
+            <a:r>
+              <a:rPr lang="en-US" sz="2400" dirty="0"/>
+              <a:t>Introduction to database systems</a:t>
+            </a:r>
+          </a:p>
+          <a:p>
+            <a:pPr marL="457200" indent="-457200">
+              <a:buFont typeface="Arial" panose="020B0604020202020204" pitchFamily="34" charset="0"/>
+              <a:buChar char="•"/>
+            </a:pPr>
+            <a:r>
+              <a:rPr lang="en-US" sz="2400" dirty="0"/>
+              <a:t>Database systems</a:t>
+            </a:r>
+          </a:p>
+          <a:p>
+            <a:r>
+              <a:rPr lang="en-US" sz="2400" dirty="0"/>
+              <a:t>Some overlaps possible with</a:t>
+            </a:r>
+          </a:p>
+          <a:p>
+            <a:pPr marL="457200" indent="-457200">
+              <a:buFont typeface="Arial" panose="020B0604020202020204" pitchFamily="34" charset="0"/>
+              <a:buChar char="•"/>
+            </a:pPr>
+            <a:r>
+              <a:rPr lang="en-US" sz="2400" dirty="0"/>
+              <a:t>Introduction to machine learning</a:t>
+            </a:r>
+          </a:p>
+          <a:p>
+            <a:pPr marL="457200" indent="-457200">
+              <a:buFont typeface="Arial" panose="020B0604020202020204" pitchFamily="34" charset="0"/>
+              <a:buChar char="•"/>
+            </a:pPr>
+            <a:r>
+              <a:rPr lang="en-US" sz="2400" dirty="0"/>
+              <a:t>Machine learning</a:t>
+            </a:r>
+          </a:p>
+          <a:p>
+            <a:pPr marL="457200" indent="-457200">
+              <a:buFont typeface="Arial" panose="020B0604020202020204" pitchFamily="34" charset="0"/>
+              <a:buChar char="•"/>
+            </a:pPr>
+            <a:r>
+              <a:rPr lang="en-US" sz="2400" dirty="0"/>
+              <a:t>Introduction to natural language processing</a:t>
+            </a:r>
+          </a:p>
+          <a:p>
+            <a:pPr marL="457200" indent="-457200">
+              <a:buFont typeface="Arial" panose="020B0604020202020204" pitchFamily="34" charset="0"/>
+              <a:buChar char="•"/>
+            </a:pPr>
+            <a:r>
+              <a:rPr lang="en-US" sz="2400" dirty="0"/>
+              <a:t>Internet analytics</a:t>
             </a:r>
           </a:p>
         </p:txBody>
       </p:sp>
     </p:spTree>
-    <p:custDataLst>
-      <p:tags r:id="rId1"/>
-    </p:custDataLst>
+    <p:extLst>
+      <p:ext uri="{BB962C8B-B14F-4D97-AF65-F5344CB8AC3E}">
+        <p14:creationId xmlns:p14="http://schemas.microsoft.com/office/powerpoint/2010/main" val="2480401331"/>
+      </p:ext>
+    </p:extLst>
   </p:cSld>
   <p:clrMapOvr>
     <a:masterClrMapping/>
@@ -11228,10 +11332,10 @@
           <a:lstStyle/>
           <a:p>
             <a:r>
-              <a:rPr lang="en-US" altLang="en-US" dirty="0">
+              <a:rPr lang="en-US" altLang="en-US" sz="4000" dirty="0">
                 <a:ea typeface="MS PGothic" charset="-128"/>
               </a:rPr>
-              <a:t>Did you take Applied Data Analysis?</a:t>
+              <a:t>Which masters program are you from?</a:t>
             </a:r>
           </a:p>
         </p:txBody>
@@ -11256,22 +11360,99 @@
           </a:bodyPr>
           <a:lstStyle/>
           <a:p>
-            <a:pPr marL="514350" indent="-514350">
+            <a:pPr marL="971550" lvl="1" indent="-514350">
+              <a:buFont typeface="+mj-lt"/>
               <a:buAutoNum type="arabicPeriod"/>
             </a:pPr>
             <a:r>
-              <a:rPr lang="en-US" dirty="0"/>
-              <a:t>Yes</a:t>
-            </a:r>
-          </a:p>
-          <a:p>
-            <a:pPr marL="514350" indent="-514350">
+              <a:rPr lang="fr-FR" dirty="0"/>
+              <a:t>Computer Science</a:t>
+            </a:r>
+          </a:p>
+          <a:p>
+            <a:pPr marL="971550" lvl="1" indent="-514350">
+              <a:buFont typeface="+mj-lt"/>
               <a:buAutoNum type="arabicPeriod"/>
             </a:pPr>
             <a:r>
-              <a:rPr lang="en-US" dirty="0"/>
-              <a:t>No</a:t>
-            </a:r>
+              <a:rPr lang="fr-FR" dirty="0"/>
+              <a:t>Communications</a:t>
+            </a:r>
+          </a:p>
+          <a:p>
+            <a:pPr marL="971550" lvl="1" indent="-514350">
+              <a:buFont typeface="+mj-lt"/>
+              <a:buAutoNum type="arabicPeriod"/>
+            </a:pPr>
+            <a:r>
+              <a:rPr lang="fr-FR" dirty="0"/>
+              <a:t>Data Science</a:t>
+            </a:r>
+          </a:p>
+          <a:p>
+            <a:pPr marL="971550" lvl="1" indent="-514350">
+              <a:buFont typeface="+mj-lt"/>
+              <a:buAutoNum type="arabicPeriod"/>
+            </a:pPr>
+            <a:r>
+              <a:rPr lang="fr-FR" dirty="0"/>
+              <a:t>Cybersecurity</a:t>
+            </a:r>
+          </a:p>
+          <a:p>
+            <a:pPr marL="971550" lvl="1" indent="-514350">
+              <a:buFont typeface="+mj-lt"/>
+              <a:buAutoNum type="arabicPeriod"/>
+            </a:pPr>
+            <a:r>
+              <a:rPr lang="fr-FR" dirty="0"/>
+              <a:t>Digital Humanities</a:t>
+            </a:r>
+          </a:p>
+          <a:p>
+            <a:pPr marL="971550" lvl="1" indent="-514350">
+              <a:buFont typeface="+mj-lt"/>
+              <a:buAutoNum type="arabicPeriod"/>
+            </a:pPr>
+            <a:r>
+              <a:rPr lang="fr-FR" dirty="0"/>
+              <a:t>Life Science</a:t>
+            </a:r>
+          </a:p>
+          <a:p>
+            <a:pPr marL="971550" lvl="1" indent="-514350">
+              <a:buFont typeface="+mj-lt"/>
+              <a:buAutoNum type="arabicPeriod"/>
+            </a:pPr>
+            <a:r>
+              <a:rPr lang="fr-FR" dirty="0"/>
+              <a:t>Electrical Engineering</a:t>
+            </a:r>
+          </a:p>
+          <a:p>
+            <a:pPr marL="971550" lvl="1" indent="-514350">
+              <a:buFont typeface="+mj-lt"/>
+              <a:buAutoNum type="arabicPeriod"/>
+            </a:pPr>
+            <a:r>
+              <a:rPr lang="fr-FR" dirty="0" err="1"/>
+              <a:t>Environmental</a:t>
+            </a:r>
+            <a:r>
+              <a:rPr lang="fr-FR" dirty="0"/>
+              <a:t> Science</a:t>
+            </a:r>
+          </a:p>
+          <a:p>
+            <a:pPr marL="971550" lvl="1" indent="-514350">
+              <a:buFont typeface="+mj-lt"/>
+              <a:buAutoNum type="arabicPeriod"/>
+            </a:pPr>
+            <a:r>
+              <a:rPr lang="fr-FR" dirty="0" err="1"/>
+              <a:t>Others</a:t>
+            </a:r>
+            <a:endParaRPr lang="fr-FR" dirty="0"/>
           </a:p>
         </p:txBody>
       </p:sp>
@@ -11280,7 +11461,7 @@
           <p:cNvPr id="2" name="Footer Placeholder 1">
             <a:extLst>
               <a:ext uri="{FF2B5EF4-FFF2-40B4-BE49-F238E27FC236}">
-                <a16:creationId xmlns:a16="http://schemas.microsoft.com/office/drawing/2014/main" id="{6EA37BC9-2682-EC4C-A446-BC12DA98E345}"/>
+                <a16:creationId xmlns:a16="http://schemas.microsoft.com/office/drawing/2014/main" id="{7515BA04-9DF0-4F4A-A471-B0574B15DD6A}"/>
               </a:ext>
             </a:extLst>
           </p:cNvPr>
@@ -11336,37 +11517,81 @@
       </p:grpSpPr>
       <p:sp>
         <p:nvSpPr>
-          <p:cNvPr id="14338" name="Footer Placeholder 3"/>
+          <p:cNvPr id="13313" name="TPQuestion" title="Question Text"/>
           <p:cNvSpPr>
             <a:spLocks noGrp="1"/>
           </p:cNvSpPr>
           <p:nvPr>
-            <p:ph type="ftr" sz="quarter" idx="10"/>
-          </p:nvPr>
-        </p:nvSpPr>
-        <p:spPr>
-          <a:noFill/>
-        </p:spPr>
+            <p:ph type="title"/>
+          </p:nvPr>
+        </p:nvSpPr>
+        <p:spPr/>
         <p:txBody>
           <a:bodyPr/>
           <a:lstStyle/>
           <a:p>
             <a:r>
-              <a:rPr lang="fr-CH"/>
-              <a:t>©2020, Karl Aberer, EPFL-IC, Laboratoire de systèmes d'informations répartis </a:t>
-            </a:r>
-            <a:endParaRPr lang="en-GB" dirty="0"/>
-          </a:p>
-        </p:txBody>
-      </p:sp>
-      <p:sp>
-        <p:nvSpPr>
-          <p:cNvPr id="14339" name="Rectangle 2"/>
-          <p:cNvSpPr>
-            <a:spLocks noGrp="1" noChangeArrowheads="1"/>
-          </p:cNvSpPr>
-          <p:nvPr>
-            <p:ph type="title"/>
+              <a:rPr lang="en-US" altLang="en-US" dirty="0">
+                <a:ea typeface="MS PGothic" charset="-128"/>
+              </a:rPr>
+              <a:t>Did you take Applied Data Analysis?</a:t>
+            </a:r>
+          </a:p>
+        </p:txBody>
+      </p:sp>
+      <p:sp>
+        <p:nvSpPr>
+          <p:cNvPr id="13314" name="TPAnswers" title="Answer Text"/>
+          <p:cNvSpPr>
+            <a:spLocks noGrp="1"/>
+          </p:cNvSpPr>
+          <p:nvPr>
+            <p:ph idx="1"/>
+            <p:custDataLst>
+              <p:tags r:id="rId2"/>
+            </p:custDataLst>
+          </p:nvPr>
+        </p:nvSpPr>
+        <p:spPr/>
+        <p:txBody>
+          <a:bodyPr>
+            <a:normAutofit/>
+          </a:bodyPr>
+          <a:lstStyle/>
+          <a:p>
+            <a:pPr marL="514350" indent="-514350">
+              <a:buAutoNum type="arabicPeriod"/>
+            </a:pPr>
+            <a:r>
+              <a:rPr lang="en-US" dirty="0"/>
+              <a:t>Yes</a:t>
+            </a:r>
+          </a:p>
+          <a:p>
+            <a:pPr marL="514350" indent="-514350">
+              <a:buAutoNum type="arabicPeriod"/>
+            </a:pPr>
+            <a:r>
+              <a:rPr lang="en-US" dirty="0"/>
+              <a:t>No</a:t>
+            </a:r>
+          </a:p>
+        </p:txBody>
+      </p:sp>
+      <p:sp>
+        <p:nvSpPr>
+          <p:cNvPr id="2" name="Footer Placeholder 1">
+            <a:extLst>
+              <a:ext uri="{FF2B5EF4-FFF2-40B4-BE49-F238E27FC236}">
+                <a16:creationId xmlns:a16="http://schemas.microsoft.com/office/drawing/2014/main" id="{6EA37BC9-2682-EC4C-A446-BC12DA98E345}"/>
+              </a:ext>
+            </a:extLst>
+          </p:cNvPr>
+          <p:cNvSpPr>
+            <a:spLocks noGrp="1"/>
+          </p:cNvSpPr>
+          <p:nvPr>
+            <p:ph type="ftr" sz="quarter" idx="10"/>
           </p:nvPr>
         </p:nvSpPr>
         <p:spPr/>
@@ -11374,112 +11599,20 @@
           <a:bodyPr/>
           <a:lstStyle/>
           <a:p>
-            <a:pPr eaLnBrk="1" hangingPunct="1"/>
+            <a:pPr>
+              <a:defRPr/>
+            </a:pPr>
             <a:r>
               <a:rPr lang="en-US"/>
-              <a:t>The Course - Lecture</a:t>
-            </a:r>
-          </a:p>
-        </p:txBody>
-      </p:sp>
-      <p:sp>
-        <p:nvSpPr>
-          <p:cNvPr id="14340" name="Rectangle 3"/>
-          <p:cNvSpPr>
-            <a:spLocks noGrp="1" noChangeArrowheads="1"/>
-          </p:cNvSpPr>
-          <p:nvPr>
-            <p:ph type="body" idx="1"/>
-          </p:nvPr>
-        </p:nvSpPr>
-        <p:spPr/>
-        <p:txBody>
-          <a:bodyPr/>
-          <a:lstStyle/>
-          <a:p>
-            <a:pPr eaLnBrk="1" hangingPunct="1"/>
-            <a:r>
-              <a:rPr lang="en-US" dirty="0"/>
-              <a:t>Webinar </a:t>
-            </a:r>
-            <a:r>
-              <a:rPr lang="en-GB" u="sng">
-                <a:hlinkClick r:id="rId3"/>
-              </a:rPr>
-              <a:t>https://epfl.zoom.us/j/96988744528</a:t>
-            </a:r>
-            <a:endParaRPr lang="en-US" dirty="0"/>
-          </a:p>
-          <a:p>
-            <a:pPr lvl="1" eaLnBrk="1" hangingPunct="1"/>
-            <a:r>
-              <a:rPr lang="en-US" dirty="0"/>
-              <a:t>Standard online ex cathedra lecture</a:t>
-            </a:r>
-          </a:p>
-          <a:p>
-            <a:pPr lvl="1" eaLnBrk="1" hangingPunct="1"/>
-            <a:r>
-              <a:rPr lang="en-US" dirty="0"/>
-              <a:t>Use Chat tool to ask questions</a:t>
-            </a:r>
-          </a:p>
-          <a:p>
-            <a:pPr lvl="2"/>
-            <a:r>
-              <a:rPr lang="en-US" dirty="0"/>
-              <a:t>Will be answered in public</a:t>
-            </a:r>
-          </a:p>
-          <a:p>
-            <a:pPr lvl="1" eaLnBrk="1" hangingPunct="1"/>
-            <a:r>
-              <a:rPr lang="en-US" dirty="0"/>
-              <a:t>Alternatively QA tool</a:t>
-            </a:r>
-          </a:p>
-          <a:p>
-            <a:pPr lvl="2"/>
-            <a:r>
-              <a:rPr lang="en-US" dirty="0"/>
-              <a:t>Will be answered privately by assistants</a:t>
-            </a:r>
-          </a:p>
-          <a:p>
-            <a:pPr lvl="1"/>
-            <a:r>
-              <a:rPr lang="en-US" dirty="0"/>
-              <a:t>Quizzes using </a:t>
-            </a:r>
-            <a:r>
-              <a:rPr lang="en-US" dirty="0" err="1"/>
-              <a:t>Zoom (anonymous)</a:t>
-            </a:r>
-          </a:p>
-          <a:p>
-            <a:r>
-              <a:rPr lang="en-US" dirty="0" err="1"/>
-              <a:t>Video recording 	</a:t>
-            </a:r>
-            <a:r>
-              <a:rPr lang="en-GB" u="sng">
-                <a:hlinkClick r:id="rId4"/>
-              </a:rPr>
-              <a:t>https://tube.switch.ch/channels/45c71cb4</a:t>
-            </a:r>
-            <a:endParaRPr lang="en-US" dirty="0" err="1"/>
-          </a:p>
-          <a:p>
-            <a:endParaRPr lang="en-US" dirty="0" err="1"/>
+              <a:t>©2020, Karl Aberer, EPFL-IC, Laboratoire de systèmes d'informations répartis </a:t>
+            </a:r>
           </a:p>
         </p:txBody>
       </p:sp>
     </p:spTree>
-    <p:extLst>
-      <p:ext uri="{BB962C8B-B14F-4D97-AF65-F5344CB8AC3E}">
-        <p14:creationId xmlns:p14="http://schemas.microsoft.com/office/powerpoint/2010/main" val="3584549266"/>
-      </p:ext>
-    </p:extLst>
+    <p:custDataLst>
+      <p:tags r:id="rId1"/>
+    </p:custDataLst>
   </p:cSld>
   <p:clrMapOvr>
     <a:masterClrMapping/>
@@ -11506,46 +11639,37 @@
       </p:grpSpPr>
       <p:sp>
         <p:nvSpPr>
-          <p:cNvPr id="2" name="Title 1">
-            <a:extLst>
-              <a:ext uri="{FF2B5EF4-FFF2-40B4-BE49-F238E27FC236}">
-                <a16:creationId xmlns:a16="http://schemas.microsoft.com/office/drawing/2014/main" id="{B2D965E9-F355-ED41-AF43-ED56F5D29F07}"/>
-              </a:ext>
-            </a:extLst>
-          </p:cNvPr>
+          <p:cNvPr id="14338" name="Footer Placeholder 3"/>
           <p:cNvSpPr>
             <a:spLocks noGrp="1"/>
           </p:cNvSpPr>
           <p:nvPr>
-            <p:ph type="title"/>
-          </p:nvPr>
-        </p:nvSpPr>
-        <p:spPr/>
+            <p:ph type="ftr" sz="quarter" idx="10"/>
+          </p:nvPr>
+        </p:nvSpPr>
+        <p:spPr>
+          <a:noFill/>
+        </p:spPr>
         <p:txBody>
           <a:bodyPr/>
           <a:lstStyle/>
           <a:p>
             <a:r>
-              <a:rPr lang="en-US"/>
-              <a:t>Materials</a:t>
-            </a:r>
-          </a:p>
-        </p:txBody>
-      </p:sp>
-      <p:sp>
-        <p:nvSpPr>
-          <p:cNvPr id="3" name="Content Placeholder 2">
-            <a:extLst>
-              <a:ext uri="{FF2B5EF4-FFF2-40B4-BE49-F238E27FC236}">
-                <a16:creationId xmlns:a16="http://schemas.microsoft.com/office/drawing/2014/main" id="{373C773E-3764-B944-BC52-ABAF7A88B2C5}"/>
-              </a:ext>
-            </a:extLst>
-          </p:cNvPr>
-          <p:cNvSpPr>
-            <a:spLocks noGrp="1"/>
-          </p:cNvSpPr>
-          <p:nvPr>
-            <p:ph idx="1"/>
+              <a:rPr lang="fr-CH"/>
+              <a:t>©2020, Karl Aberer, EPFL-IC, Laboratoire de systèmes d'informations répartis </a:t>
+            </a:r>
+            <a:endParaRPr lang="en-GB" dirty="0"/>
+          </a:p>
+        </p:txBody>
+      </p:sp>
+      <p:sp>
+        <p:nvSpPr>
+          <p:cNvPr id="14339" name="Rectangle 2"/>
+          <p:cNvSpPr>
+            <a:spLocks noGrp="1" noChangeArrowheads="1"/>
+          </p:cNvSpPr>
+          <p:nvPr>
+            <p:ph type="title"/>
           </p:nvPr>
         </p:nvSpPr>
         <p:spPr/>
@@ -11555,56 +11679,20 @@
           <a:p>
             <a:pPr eaLnBrk="1" hangingPunct="1"/>
             <a:r>
-              <a:rPr lang="en-US" dirty="0"/>
-              <a:t>Web platform: Moodle</a:t>
-            </a:r>
-          </a:p>
-          <a:p>
-            <a:pPr lvl="1">
-              <a:buFont typeface="Arial"/>
-              <a:buChar char="–"/>
-            </a:pPr>
-            <a:r>
-              <a:rPr lang="en-US" dirty="0"/>
-              <a:t>General announcements will be published on Moodle</a:t>
-            </a:r>
-          </a:p>
-          <a:p>
-            <a:pPr lvl="1">
-              <a:buFont typeface="Arial"/>
-              <a:buChar char="–"/>
-            </a:pPr>
-            <a:r>
-              <a:rPr lang="en-US" dirty="0"/>
-              <a:t>Course notes and exercises will be published on the Web in advance: </a:t>
-            </a:r>
-            <a:r>
-              <a:rPr lang="en-GB">
-                <a:hlinkClick r:id="rId2"/>
-              </a:rPr>
-              <a:t>https://lsir.github.io/DIS/</a:t>
-            </a:r>
-            <a:endParaRPr lang="en-US" dirty="0"/>
-          </a:p>
-          <a:p>
-            <a:endParaRPr lang="en-US"/>
-          </a:p>
-        </p:txBody>
-      </p:sp>
-      <p:sp>
-        <p:nvSpPr>
-          <p:cNvPr id="4" name="Footer Placeholder 3">
-            <a:extLst>
-              <a:ext uri="{FF2B5EF4-FFF2-40B4-BE49-F238E27FC236}">
-                <a16:creationId xmlns:a16="http://schemas.microsoft.com/office/drawing/2014/main" id="{9F64E54F-D107-BA4A-A4DA-AF44F5FC3A78}"/>
-              </a:ext>
-            </a:extLst>
-          </p:cNvPr>
-          <p:cNvSpPr>
-            <a:spLocks noGrp="1"/>
-          </p:cNvSpPr>
-          <p:nvPr>
-            <p:ph type="ftr" sz="quarter" idx="10"/>
+              <a:rPr lang="en-US"/>
+              <a:t>The Course - Lecture</a:t>
+            </a:r>
+          </a:p>
+        </p:txBody>
+      </p:sp>
+      <p:sp>
+        <p:nvSpPr>
+          <p:cNvPr id="14340" name="Rectangle 3"/>
+          <p:cNvSpPr>
+            <a:spLocks noGrp="1" noChangeArrowheads="1"/>
+          </p:cNvSpPr>
+          <p:nvPr>
+            <p:ph type="body" idx="1"/>
           </p:nvPr>
         </p:nvSpPr>
         <p:spPr/>
@@ -11612,18 +11700,87 @@
           <a:bodyPr/>
           <a:lstStyle/>
           <a:p>
-            <a:r>
-              <a:rPr lang="fr-CH"/>
-              <a:t>©2020, Karl Aberer, EPFL-IC, Laboratoire de systèmes d'informations répartis </a:t>
-            </a:r>
-            <a:endParaRPr lang="en-GB" dirty="0"/>
+            <a:pPr eaLnBrk="1" hangingPunct="1"/>
+            <a:r>
+              <a:rPr lang="en-US" dirty="0"/>
+              <a:t>Webinar </a:t>
+            </a:r>
+            <a:r>
+              <a:rPr lang="en-GB" u="sng">
+                <a:hlinkClick r:id="rId3"/>
+              </a:rPr>
+              <a:t>https://epfl.zoom.us/j/96988744528</a:t>
+            </a:r>
+            <a:endParaRPr lang="en-US" dirty="0"/>
+          </a:p>
+          <a:p>
+            <a:pPr lvl="1" eaLnBrk="1" hangingPunct="1"/>
+            <a:r>
+              <a:rPr lang="en-US" dirty="0"/>
+              <a:t>Standard online ex cathedra lecture</a:t>
+            </a:r>
+          </a:p>
+          <a:p>
+            <a:pPr lvl="1" eaLnBrk="1" hangingPunct="1"/>
+            <a:r>
+              <a:rPr lang="en-US" dirty="0"/>
+              <a:t>Use Chat tool to ask questions</a:t>
+            </a:r>
+          </a:p>
+          <a:p>
+            <a:pPr lvl="2"/>
+            <a:r>
+              <a:rPr lang="en-US" dirty="0"/>
+              <a:t>Will be answered in public</a:t>
+            </a:r>
+          </a:p>
+          <a:p>
+            <a:pPr lvl="1" eaLnBrk="1" hangingPunct="1"/>
+            <a:r>
+              <a:rPr lang="en-US" dirty="0"/>
+              <a:t>Alternatively QA tool</a:t>
+            </a:r>
+          </a:p>
+          <a:p>
+            <a:pPr lvl="2"/>
+            <a:r>
+              <a:rPr lang="en-US" dirty="0"/>
+              <a:t>Will be answered privately by assistants</a:t>
+            </a:r>
+          </a:p>
+          <a:p>
+            <a:pPr lvl="1"/>
+            <a:r>
+              <a:rPr lang="en-US" dirty="0"/>
+              <a:t>Quizzes using </a:t>
+            </a:r>
+            <a:r>
+              <a:rPr lang="en-US" dirty="0" err="1"/>
+              <a:t>Zoom (anonymous)</a:t>
+            </a:r>
+          </a:p>
+          <a:p>
+            <a:r>
+              <a:rPr lang="en-US" dirty="0" err="1"/>
+              <a:t>Video recording 	</a:t>
+            </a:r>
+            <a:r>
+              <a:rPr lang="en-GB" u="sng">
+                <a:hlinkClick r:id="rId4"/>
+              </a:rPr>
+              <a:t>https://tube.switch.ch/channels/45c71cb4</a:t>
+            </a:r>
+            <a:endParaRPr lang="en-US" dirty="0" err="1"/>
+          </a:p>
+          <a:p>
+            <a:endParaRPr lang="en-US" dirty="0" err="1"/>
           </a:p>
         </p:txBody>
       </p:sp>
     </p:spTree>
     <p:extLst>
       <p:ext uri="{BB962C8B-B14F-4D97-AF65-F5344CB8AC3E}">
-        <p14:creationId xmlns:p14="http://schemas.microsoft.com/office/powerpoint/2010/main" val="504728530"/>
+        <p14:creationId xmlns:p14="http://schemas.microsoft.com/office/powerpoint/2010/main" val="3584549266"/>
       </p:ext>
     </p:extLst>
   </p:cSld>
@@ -11652,125 +11809,124 @@
       </p:grpSpPr>
       <p:sp>
         <p:nvSpPr>
-          <p:cNvPr id="15362" name="Footer Placeholder 3"/>
+          <p:cNvPr id="2" name="Title 1">
+            <a:extLst>
+              <a:ext uri="{FF2B5EF4-FFF2-40B4-BE49-F238E27FC236}">
+                <a16:creationId xmlns:a16="http://schemas.microsoft.com/office/drawing/2014/main" id="{B2D965E9-F355-ED41-AF43-ED56F5D29F07}"/>
+              </a:ext>
+            </a:extLst>
+          </p:cNvPr>
           <p:cNvSpPr>
             <a:spLocks noGrp="1"/>
           </p:cNvSpPr>
           <p:nvPr>
-            <p:ph type="ftr" sz="quarter" idx="10"/>
-          </p:nvPr>
-        </p:nvSpPr>
-        <p:spPr>
-          <a:noFill/>
-        </p:spPr>
+            <p:ph type="title"/>
+          </p:nvPr>
+        </p:nvSpPr>
+        <p:spPr/>
         <p:txBody>
           <a:bodyPr/>
           <a:lstStyle/>
           <a:p>
             <a:r>
+              <a:rPr lang="en-US"/>
+              <a:t>Materials</a:t>
+            </a:r>
+          </a:p>
+        </p:txBody>
+      </p:sp>
+      <p:sp>
+        <p:nvSpPr>
+          <p:cNvPr id="3" name="Content Placeholder 2">
+            <a:extLst>
+              <a:ext uri="{FF2B5EF4-FFF2-40B4-BE49-F238E27FC236}">
+                <a16:creationId xmlns:a16="http://schemas.microsoft.com/office/drawing/2014/main" id="{373C773E-3764-B944-BC52-ABAF7A88B2C5}"/>
+              </a:ext>
+            </a:extLst>
+          </p:cNvPr>
+          <p:cNvSpPr>
+            <a:spLocks noGrp="1"/>
+          </p:cNvSpPr>
+          <p:nvPr>
+            <p:ph idx="1"/>
+          </p:nvPr>
+        </p:nvSpPr>
+        <p:spPr/>
+        <p:txBody>
+          <a:bodyPr/>
+          <a:lstStyle/>
+          <a:p>
+            <a:pPr eaLnBrk="1" hangingPunct="1"/>
+            <a:r>
+              <a:rPr lang="en-US" dirty="0"/>
+              <a:t>Web platform: Moodle</a:t>
+            </a:r>
+          </a:p>
+          <a:p>
+            <a:pPr lvl="1">
+              <a:buFont typeface="Arial"/>
+              <a:buChar char="–"/>
+            </a:pPr>
+            <a:r>
+              <a:rPr lang="en-US" dirty="0"/>
+              <a:t>General announcements will be published on Moodle</a:t>
+            </a:r>
+          </a:p>
+          <a:p>
+            <a:pPr lvl="1">
+              <a:buFont typeface="Arial"/>
+              <a:buChar char="–"/>
+            </a:pPr>
+            <a:r>
+              <a:rPr lang="en-US" dirty="0"/>
+              <a:t>Course notes and exercises will be published on the Web in advance: </a:t>
+            </a:r>
+            <a:r>
+              <a:rPr lang="en-GB">
+                <a:hlinkClick r:id="rId2"/>
+              </a:rPr>
+              <a:t>https://lsir.github.io/DIS/</a:t>
+            </a:r>
+            <a:endParaRPr lang="en-US" dirty="0"/>
+          </a:p>
+          <a:p>
+            <a:endParaRPr lang="en-US"/>
+          </a:p>
+        </p:txBody>
+      </p:sp>
+      <p:sp>
+        <p:nvSpPr>
+          <p:cNvPr id="4" name="Footer Placeholder 3">
+            <a:extLst>
+              <a:ext uri="{FF2B5EF4-FFF2-40B4-BE49-F238E27FC236}">
+                <a16:creationId xmlns:a16="http://schemas.microsoft.com/office/drawing/2014/main" id="{9F64E54F-D107-BA4A-A4DA-AF44F5FC3A78}"/>
+              </a:ext>
+            </a:extLst>
+          </p:cNvPr>
+          <p:cNvSpPr>
+            <a:spLocks noGrp="1"/>
+          </p:cNvSpPr>
+          <p:nvPr>
+            <p:ph type="ftr" sz="quarter" idx="10"/>
+          </p:nvPr>
+        </p:nvSpPr>
+        <p:spPr/>
+        <p:txBody>
+          <a:bodyPr/>
+          <a:lstStyle/>
+          <a:p>
+            <a:r>
               <a:rPr lang="fr-CH"/>
               <a:t>©2020, Karl Aberer, EPFL-IC, Laboratoire de systèmes d'informations répartis </a:t>
             </a:r>
             <a:endParaRPr lang="en-GB" dirty="0"/>
-          </a:p>
-        </p:txBody>
-      </p:sp>
-      <p:sp>
-        <p:nvSpPr>
-          <p:cNvPr id="15363" name="Rectangle 2"/>
-          <p:cNvSpPr>
-            <a:spLocks noGrp="1" noChangeArrowheads="1"/>
-          </p:cNvSpPr>
-          <p:nvPr>
-            <p:ph type="title"/>
-          </p:nvPr>
-        </p:nvSpPr>
-        <p:spPr/>
-        <p:txBody>
-          <a:bodyPr/>
-          <a:lstStyle/>
-          <a:p>
-            <a:pPr eaLnBrk="1" hangingPunct="1"/>
-            <a:r>
-              <a:rPr lang="en-US" dirty="0"/>
-              <a:t>Exercises</a:t>
-            </a:r>
-          </a:p>
-        </p:txBody>
-      </p:sp>
-      <p:sp>
-        <p:nvSpPr>
-          <p:cNvPr id="15364" name="Rectangle 3"/>
-          <p:cNvSpPr>
-            <a:spLocks noGrp="1" noChangeArrowheads="1"/>
-          </p:cNvSpPr>
-          <p:nvPr>
-            <p:ph type="body" idx="1"/>
-          </p:nvPr>
-        </p:nvSpPr>
-        <p:spPr/>
-        <p:txBody>
-          <a:bodyPr/>
-          <a:lstStyle/>
-          <a:p>
-            <a:r>
-              <a:rPr lang="en-US" dirty="0"/>
-              <a:t>Weekly exercises</a:t>
-            </a:r>
-          </a:p>
-          <a:p>
-            <a:pPr lvl="1"/>
-            <a:r>
-              <a:rPr lang="en-US" dirty="0"/>
-              <a:t>2-3 problems to solve</a:t>
-            </a:r>
-            <a:endParaRPr lang="en-US" sz="3200" dirty="0"/>
-          </a:p>
-          <a:p>
-            <a:r>
-              <a:rPr lang="en-US" dirty="0"/>
-              <a:t>Most problems will be (simple) programming exercises</a:t>
-            </a:r>
-          </a:p>
-          <a:p>
-            <a:pPr lvl="1"/>
-            <a:r>
-              <a:rPr lang="en-US" dirty="0"/>
-              <a:t>Uses Python</a:t>
-            </a:r>
-          </a:p>
-          <a:p>
-            <a:pPr lvl="1"/>
-            <a:r>
-              <a:rPr lang="en-US" dirty="0"/>
-              <a:t>Focus on understanding the techniques (not programming skills </a:t>
-            </a:r>
-            <a:r>
-              <a:rPr lang="en-US" dirty="0" err="1"/>
-              <a:t>etc</a:t>
-            </a:r>
-            <a:r>
-              <a:rPr lang="en-US" dirty="0"/>
-              <a:t>)</a:t>
-            </a:r>
-            <a:endParaRPr lang="en-US" sz="3200" dirty="0"/>
-          </a:p>
-          <a:p>
-            <a:r>
-              <a:rPr lang="en-US" dirty="0"/>
-              <a:t>Exercises and exam questions from previous years will be made available as well</a:t>
-            </a:r>
-          </a:p>
-          <a:p>
-            <a:pPr lvl="1" eaLnBrk="1" hangingPunct="1"/>
-            <a:endParaRPr lang="en-US" sz="2400" dirty="0"/>
           </a:p>
         </p:txBody>
       </p:sp>
     </p:spTree>
     <p:extLst>
       <p:ext uri="{BB962C8B-B14F-4D97-AF65-F5344CB8AC3E}">
-        <p14:creationId xmlns:p14="http://schemas.microsoft.com/office/powerpoint/2010/main" val="4265395247"/>
+        <p14:creationId xmlns:p14="http://schemas.microsoft.com/office/powerpoint/2010/main" val="504728530"/>
       </p:ext>
     </p:extLst>
   </p:cSld>
